--- a/Methodology.pptx
+++ b/Methodology.pptx
@@ -7,6 +7,7 @@
   <p:sldIdLst>
     <p:sldId id="258" r:id="rId2"/>
     <p:sldId id="259" r:id="rId3"/>
+    <p:sldId id="260" r:id="rId4"/>
   </p:sldIdLst>
   <p:sldSz cx="12192000" cy="6858000"/>
   <p:notesSz cx="6858000" cy="9144000"/>
@@ -105,7 +106,57 @@
       </a:defRPr>
     </a:lvl9pPr>
   </p:defaultTextStyle>
+  <p:extLst>
+    <p:ext uri="{EFAFB233-063F-42B5-8137-9DF3F51BA10A}">
+      <p15:sldGuideLst xmlns:p15="http://schemas.microsoft.com/office/powerpoint/2012/main"/>
+    </p:ext>
+  </p:extLst>
 </p:presentation>
+</file>
+
+<file path=ppt/revisionInfo.xml><?xml version="1.0" encoding="utf-8"?>
+<p1510:revInfo xmlns:a="http://schemas.openxmlformats.org/drawingml/2006/main" xmlns:r="http://schemas.openxmlformats.org/officeDocument/2006/relationships" xmlns:p1510="http://schemas.microsoft.com/office/powerpoint/2015/10/main">
+  <p1510:revLst>
+    <p1510:client id="{D0B9EE48-5285-480F-A02B-08DF7D148E87}" v="2" dt="2022-12-16T10:22:02.841"/>
+  </p1510:revLst>
+</p1510:revInfo>
+</file>
+
+<file path=ppt/changesInfos/changesInfo1.xml><?xml version="1.0" encoding="utf-8"?>
+<pc:chgInfo xmlns:a="http://schemas.openxmlformats.org/drawingml/2006/main" xmlns:r="http://schemas.openxmlformats.org/officeDocument/2006/relationships" xmlns:ac="http://schemas.microsoft.com/office/drawing/2013/main/command" xmlns:pc="http://schemas.microsoft.com/office/powerpoint/2013/main/command">
+  <pc:docChgLst>
+    <pc:chgData name="javier salinas" userId="96cba6bbde57eda7" providerId="LiveId" clId="{D0B9EE48-5285-480F-A02B-08DF7D148E87}"/>
+    <pc:docChg chg="custSel addSld modSld">
+      <pc:chgData name="javier salinas" userId="96cba6bbde57eda7" providerId="LiveId" clId="{D0B9EE48-5285-480F-A02B-08DF7D148E87}" dt="2022-12-16T10:25:30.464" v="14" actId="12385"/>
+      <pc:docMkLst>
+        <pc:docMk/>
+      </pc:docMkLst>
+      <pc:sldChg chg="addSp delSp modSp new mod setBg">
+        <pc:chgData name="javier salinas" userId="96cba6bbde57eda7" providerId="LiveId" clId="{D0B9EE48-5285-480F-A02B-08DF7D148E87}" dt="2022-12-16T10:25:30.464" v="14" actId="12385"/>
+        <pc:sldMkLst>
+          <pc:docMk/>
+          <pc:sldMk cId="516425879" sldId="260"/>
+        </pc:sldMkLst>
+        <pc:spChg chg="del">
+          <ac:chgData name="javier salinas" userId="96cba6bbde57eda7" providerId="LiveId" clId="{D0B9EE48-5285-480F-A02B-08DF7D148E87}" dt="2022-12-16T10:22:02.841" v="2"/>
+          <ac:spMkLst>
+            <pc:docMk/>
+            <pc:sldMk cId="516425879" sldId="260"/>
+            <ac:spMk id="3" creationId="{CC1034E6-61C7-D709-E7AC-BCC9A2A51CC4}"/>
+          </ac:spMkLst>
+        </pc:spChg>
+        <pc:graphicFrameChg chg="add mod modGraphic">
+          <ac:chgData name="javier salinas" userId="96cba6bbde57eda7" providerId="LiveId" clId="{D0B9EE48-5285-480F-A02B-08DF7D148E87}" dt="2022-12-16T10:25:30.464" v="14" actId="12385"/>
+          <ac:graphicFrameMkLst>
+            <pc:docMk/>
+            <pc:sldMk cId="516425879" sldId="260"/>
+            <ac:graphicFrameMk id="4" creationId="{F4F6AC14-3814-33C2-AB16-4AEDAE5CB243}"/>
+          </ac:graphicFrameMkLst>
+        </pc:graphicFrameChg>
+      </pc:sldChg>
+    </pc:docChg>
+  </pc:docChgLst>
+</pc:chgInfo>
 </file>
 
 <file path=ppt/diagrams/colors1.xml><?xml version="1.0" encoding="utf-8"?>
@@ -3045,7 +3096,7 @@
           <a:p>
             <a:fld id="{2157BCFF-0086-4454-8492-33F1FA08F28B}" type="datetimeFigureOut">
               <a:rPr lang="en-US" smtClean="0"/>
-              <a:t>12/15/2022</a:t>
+              <a:t>12/16/2022</a:t>
             </a:fld>
             <a:endParaRPr lang="en-US"/>
           </a:p>
@@ -3243,7 +3294,7 @@
           <a:p>
             <a:fld id="{2157BCFF-0086-4454-8492-33F1FA08F28B}" type="datetimeFigureOut">
               <a:rPr lang="en-US" smtClean="0"/>
-              <a:t>12/15/2022</a:t>
+              <a:t>12/16/2022</a:t>
             </a:fld>
             <a:endParaRPr lang="en-US"/>
           </a:p>
@@ -3451,7 +3502,7 @@
           <a:p>
             <a:fld id="{2157BCFF-0086-4454-8492-33F1FA08F28B}" type="datetimeFigureOut">
               <a:rPr lang="en-US" smtClean="0"/>
-              <a:t>12/15/2022</a:t>
+              <a:t>12/16/2022</a:t>
             </a:fld>
             <a:endParaRPr lang="en-US"/>
           </a:p>
@@ -3649,7 +3700,7 @@
           <a:p>
             <a:fld id="{2157BCFF-0086-4454-8492-33F1FA08F28B}" type="datetimeFigureOut">
               <a:rPr lang="en-US" smtClean="0"/>
-              <a:t>12/15/2022</a:t>
+              <a:t>12/16/2022</a:t>
             </a:fld>
             <a:endParaRPr lang="en-US"/>
           </a:p>
@@ -3924,7 +3975,7 @@
           <a:p>
             <a:fld id="{2157BCFF-0086-4454-8492-33F1FA08F28B}" type="datetimeFigureOut">
               <a:rPr lang="en-US" smtClean="0"/>
-              <a:t>12/15/2022</a:t>
+              <a:t>12/16/2022</a:t>
             </a:fld>
             <a:endParaRPr lang="en-US"/>
           </a:p>
@@ -4189,7 +4240,7 @@
           <a:p>
             <a:fld id="{2157BCFF-0086-4454-8492-33F1FA08F28B}" type="datetimeFigureOut">
               <a:rPr lang="en-US" smtClean="0"/>
-              <a:t>12/15/2022</a:t>
+              <a:t>12/16/2022</a:t>
             </a:fld>
             <a:endParaRPr lang="en-US"/>
           </a:p>
@@ -4601,7 +4652,7 @@
           <a:p>
             <a:fld id="{2157BCFF-0086-4454-8492-33F1FA08F28B}" type="datetimeFigureOut">
               <a:rPr lang="en-US" smtClean="0"/>
-              <a:t>12/15/2022</a:t>
+              <a:t>12/16/2022</a:t>
             </a:fld>
             <a:endParaRPr lang="en-US"/>
           </a:p>
@@ -4742,7 +4793,7 @@
           <a:p>
             <a:fld id="{2157BCFF-0086-4454-8492-33F1FA08F28B}" type="datetimeFigureOut">
               <a:rPr lang="en-US" smtClean="0"/>
-              <a:t>12/15/2022</a:t>
+              <a:t>12/16/2022</a:t>
             </a:fld>
             <a:endParaRPr lang="en-US"/>
           </a:p>
@@ -4855,7 +4906,7 @@
           <a:p>
             <a:fld id="{2157BCFF-0086-4454-8492-33F1FA08F28B}" type="datetimeFigureOut">
               <a:rPr lang="en-US" smtClean="0"/>
-              <a:t>12/15/2022</a:t>
+              <a:t>12/16/2022</a:t>
             </a:fld>
             <a:endParaRPr lang="en-US"/>
           </a:p>
@@ -5166,7 +5217,7 @@
           <a:p>
             <a:fld id="{2157BCFF-0086-4454-8492-33F1FA08F28B}" type="datetimeFigureOut">
               <a:rPr lang="en-US" smtClean="0"/>
-              <a:t>12/15/2022</a:t>
+              <a:t>12/16/2022</a:t>
             </a:fld>
             <a:endParaRPr lang="en-US"/>
           </a:p>
@@ -5454,7 +5505,7 @@
           <a:p>
             <a:fld id="{2157BCFF-0086-4454-8492-33F1FA08F28B}" type="datetimeFigureOut">
               <a:rPr lang="en-US" smtClean="0"/>
-              <a:t>12/15/2022</a:t>
+              <a:t>12/16/2022</a:t>
             </a:fld>
             <a:endParaRPr lang="en-US"/>
           </a:p>
@@ -5695,7 +5746,7 @@
           <a:p>
             <a:fld id="{2157BCFF-0086-4454-8492-33F1FA08F28B}" type="datetimeFigureOut">
               <a:rPr lang="en-US" smtClean="0"/>
-              <a:t>12/15/2022</a:t>
+              <a:t>12/16/2022</a:t>
             </a:fld>
             <a:endParaRPr lang="en-US"/>
           </a:p>
@@ -7529,6 +7580,2396 @@
 </p:sld>
 </file>
 
+<file path=ppt/slides/slide3.xml><?xml version="1.0" encoding="utf-8"?>
+<p:sld xmlns:a="http://schemas.openxmlformats.org/drawingml/2006/main" xmlns:r="http://schemas.openxmlformats.org/officeDocument/2006/relationships" xmlns:p="http://schemas.openxmlformats.org/presentationml/2006/main">
+  <p:cSld>
+    <p:bg>
+      <p:bgPr>
+        <a:solidFill>
+          <a:schemeClr val="tx1"/>
+        </a:solidFill>
+        <a:effectLst/>
+      </p:bgPr>
+    </p:bg>
+    <p:spTree>
+      <p:nvGrpSpPr>
+        <p:cNvPr id="1" name=""/>
+        <p:cNvGrpSpPr/>
+        <p:nvPr/>
+      </p:nvGrpSpPr>
+      <p:grpSpPr>
+        <a:xfrm>
+          <a:off x="0" y="0"/>
+          <a:ext cx="0" cy="0"/>
+          <a:chOff x="0" y="0"/>
+          <a:chExt cx="0" cy="0"/>
+        </a:xfrm>
+      </p:grpSpPr>
+      <p:sp>
+        <p:nvSpPr>
+          <p:cNvPr id="2" name="Title 1">
+            <a:extLst>
+              <a:ext uri="{FF2B5EF4-FFF2-40B4-BE49-F238E27FC236}">
+                <a16:creationId xmlns:a16="http://schemas.microsoft.com/office/drawing/2014/main" id="{31AE211A-6209-C2D4-CB8E-27670CEA4292}"/>
+              </a:ext>
+            </a:extLst>
+          </p:cNvPr>
+          <p:cNvSpPr>
+            <a:spLocks noGrp="1"/>
+          </p:cNvSpPr>
+          <p:nvPr>
+            <p:ph type="title"/>
+          </p:nvPr>
+        </p:nvSpPr>
+        <p:spPr/>
+        <p:txBody>
+          <a:bodyPr/>
+          <a:lstStyle/>
+          <a:p>
+            <a:endParaRPr lang="en-US"/>
+          </a:p>
+        </p:txBody>
+      </p:sp>
+      <p:graphicFrame>
+        <p:nvGraphicFramePr>
+          <p:cNvPr id="4" name="Content Placeholder 3">
+            <a:extLst>
+              <a:ext uri="{FF2B5EF4-FFF2-40B4-BE49-F238E27FC236}">
+                <a16:creationId xmlns:a16="http://schemas.microsoft.com/office/drawing/2014/main" id="{F4F6AC14-3814-33C2-AB16-4AEDAE5CB243}"/>
+              </a:ext>
+            </a:extLst>
+          </p:cNvPr>
+          <p:cNvGraphicFramePr>
+            <a:graphicFrameLocks noGrp="1"/>
+          </p:cNvGraphicFramePr>
+          <p:nvPr>
+            <p:ph idx="1"/>
+            <p:extLst>
+              <p:ext uri="{D42A27DB-BD31-4B8C-83A1-F6EECF244321}">
+                <p14:modId xmlns:p14="http://schemas.microsoft.com/office/powerpoint/2010/main" val="2170151889"/>
+              </p:ext>
+            </p:extLst>
+          </p:nvPr>
+        </p:nvGraphicFramePr>
+        <p:xfrm>
+          <a:off x="3848100" y="2804319"/>
+          <a:ext cx="4495800" cy="2393950"/>
+        </p:xfrm>
+        <a:graphic>
+          <a:graphicData uri="http://schemas.openxmlformats.org/drawingml/2006/table">
+            <a:tbl>
+              <a:tblPr>
+                <a:tableStyleId>{1FECB4D8-DB02-4DC6-A0A2-4F2EBAE1DC90}</a:tableStyleId>
+              </a:tblPr>
+              <a:tblGrid>
+                <a:gridCol w="736600">
+                  <a:extLst>
+                    <a:ext uri="{9D8B030D-6E8A-4147-A177-3AD203B41FA5}">
+                      <a16:colId xmlns:a16="http://schemas.microsoft.com/office/drawing/2014/main" val="3144460568"/>
+                    </a:ext>
+                  </a:extLst>
+                </a:gridCol>
+                <a:gridCol w="711200">
+                  <a:extLst>
+                    <a:ext uri="{9D8B030D-6E8A-4147-A177-3AD203B41FA5}">
+                      <a16:colId xmlns:a16="http://schemas.microsoft.com/office/drawing/2014/main" val="2420883458"/>
+                    </a:ext>
+                  </a:extLst>
+                </a:gridCol>
+                <a:gridCol w="609600">
+                  <a:extLst>
+                    <a:ext uri="{9D8B030D-6E8A-4147-A177-3AD203B41FA5}">
+                      <a16:colId xmlns:a16="http://schemas.microsoft.com/office/drawing/2014/main" val="680956332"/>
+                    </a:ext>
+                  </a:extLst>
+                </a:gridCol>
+                <a:gridCol w="609600">
+                  <a:extLst>
+                    <a:ext uri="{9D8B030D-6E8A-4147-A177-3AD203B41FA5}">
+                      <a16:colId xmlns:a16="http://schemas.microsoft.com/office/drawing/2014/main" val="3791287415"/>
+                    </a:ext>
+                  </a:extLst>
+                </a:gridCol>
+                <a:gridCol w="609600">
+                  <a:extLst>
+                    <a:ext uri="{9D8B030D-6E8A-4147-A177-3AD203B41FA5}">
+                      <a16:colId xmlns:a16="http://schemas.microsoft.com/office/drawing/2014/main" val="738150557"/>
+                    </a:ext>
+                  </a:extLst>
+                </a:gridCol>
+                <a:gridCol w="609600">
+                  <a:extLst>
+                    <a:ext uri="{9D8B030D-6E8A-4147-A177-3AD203B41FA5}">
+                      <a16:colId xmlns:a16="http://schemas.microsoft.com/office/drawing/2014/main" val="2333110139"/>
+                    </a:ext>
+                  </a:extLst>
+                </a:gridCol>
+                <a:gridCol w="609600">
+                  <a:extLst>
+                    <a:ext uri="{9D8B030D-6E8A-4147-A177-3AD203B41FA5}">
+                      <a16:colId xmlns:a16="http://schemas.microsoft.com/office/drawing/2014/main" val="67434608"/>
+                    </a:ext>
+                  </a:extLst>
+                </a:gridCol>
+              </a:tblGrid>
+              <a:tr h="184150">
+                <a:tc>
+                  <a:txBody>
+                    <a:bodyPr/>
+                    <a:lstStyle/>
+                    <a:p>
+                      <a:pPr algn="l" fontAlgn="b"/>
+                      <a:r>
+                        <a:rPr lang="en-US" sz="1100" b="1" u="none" strike="noStrike" dirty="0">
+                          <a:solidFill>
+                            <a:sysClr val="windowText" lastClr="000000"/>
+                          </a:solidFill>
+                          <a:effectLst/>
+                        </a:rPr>
+                        <a:t>date</a:t>
+                      </a:r>
+                      <a:endParaRPr lang="en-US" sz="1100" b="1" i="0" u="none" strike="noStrike" dirty="0">
+                        <a:solidFill>
+                          <a:sysClr val="windowText" lastClr="000000"/>
+                        </a:solidFill>
+                        <a:effectLst/>
+                        <a:latin typeface="Calibri" panose="020F0502020204030204" pitchFamily="34" charset="0"/>
+                      </a:endParaRPr>
+                    </a:p>
+                  </a:txBody>
+                  <a:tcPr marL="6350" marR="6350" marT="6350" marB="0" anchor="b"/>
+                </a:tc>
+                <a:tc>
+                  <a:txBody>
+                    <a:bodyPr/>
+                    <a:lstStyle/>
+                    <a:p>
+                      <a:pPr algn="l" fontAlgn="b"/>
+                      <a:r>
+                        <a:rPr lang="en-US" sz="1100" b="1" u="none" strike="noStrike">
+                          <a:solidFill>
+                            <a:sysClr val="windowText" lastClr="000000"/>
+                          </a:solidFill>
+                          <a:effectLst/>
+                        </a:rPr>
+                        <a:t>Compound</a:t>
+                      </a:r>
+                      <a:endParaRPr lang="en-US" sz="1100" b="1" i="0" u="none" strike="noStrike">
+                        <a:solidFill>
+                          <a:sysClr val="windowText" lastClr="000000"/>
+                        </a:solidFill>
+                        <a:effectLst/>
+                        <a:latin typeface="Calibri" panose="020F0502020204030204" pitchFamily="34" charset="0"/>
+                      </a:endParaRPr>
+                    </a:p>
+                  </a:txBody>
+                  <a:tcPr marL="6350" marR="6350" marT="6350" marB="0" anchor="b"/>
+                </a:tc>
+                <a:tc>
+                  <a:txBody>
+                    <a:bodyPr/>
+                    <a:lstStyle/>
+                    <a:p>
+                      <a:pPr algn="l" fontAlgn="b"/>
+                      <a:r>
+                        <a:rPr lang="en-US" sz="1100" b="1" u="none" strike="noStrike">
+                          <a:solidFill>
+                            <a:sysClr val="windowText" lastClr="000000"/>
+                          </a:solidFill>
+                          <a:effectLst/>
+                        </a:rPr>
+                        <a:t>open</a:t>
+                      </a:r>
+                      <a:endParaRPr lang="en-US" sz="1100" b="1" i="0" u="none" strike="noStrike">
+                        <a:solidFill>
+                          <a:sysClr val="windowText" lastClr="000000"/>
+                        </a:solidFill>
+                        <a:effectLst/>
+                        <a:latin typeface="Calibri" panose="020F0502020204030204" pitchFamily="34" charset="0"/>
+                      </a:endParaRPr>
+                    </a:p>
+                  </a:txBody>
+                  <a:tcPr marL="6350" marR="6350" marT="6350" marB="0" anchor="b"/>
+                </a:tc>
+                <a:tc>
+                  <a:txBody>
+                    <a:bodyPr/>
+                    <a:lstStyle/>
+                    <a:p>
+                      <a:pPr algn="l" fontAlgn="b"/>
+                      <a:r>
+                        <a:rPr lang="en-US" sz="1100" b="1" u="none" strike="noStrike">
+                          <a:solidFill>
+                            <a:sysClr val="windowText" lastClr="000000"/>
+                          </a:solidFill>
+                          <a:effectLst/>
+                        </a:rPr>
+                        <a:t>close</a:t>
+                      </a:r>
+                      <a:endParaRPr lang="en-US" sz="1100" b="1" i="0" u="none" strike="noStrike">
+                        <a:solidFill>
+                          <a:sysClr val="windowText" lastClr="000000"/>
+                        </a:solidFill>
+                        <a:effectLst/>
+                        <a:latin typeface="Calibri" panose="020F0502020204030204" pitchFamily="34" charset="0"/>
+                      </a:endParaRPr>
+                    </a:p>
+                  </a:txBody>
+                  <a:tcPr marL="6350" marR="6350" marT="6350" marB="0" anchor="b"/>
+                </a:tc>
+                <a:tc>
+                  <a:txBody>
+                    <a:bodyPr/>
+                    <a:lstStyle/>
+                    <a:p>
+                      <a:pPr algn="l" fontAlgn="b"/>
+                      <a:r>
+                        <a:rPr lang="en-US" sz="1100" b="1" u="none" strike="noStrike">
+                          <a:solidFill>
+                            <a:sysClr val="windowText" lastClr="000000"/>
+                          </a:solidFill>
+                          <a:effectLst/>
+                        </a:rPr>
+                        <a:t>change</a:t>
+                      </a:r>
+                      <a:endParaRPr lang="en-US" sz="1100" b="1" i="0" u="none" strike="noStrike">
+                        <a:solidFill>
+                          <a:sysClr val="windowText" lastClr="000000"/>
+                        </a:solidFill>
+                        <a:effectLst/>
+                        <a:latin typeface="Calibri" panose="020F0502020204030204" pitchFamily="34" charset="0"/>
+                      </a:endParaRPr>
+                    </a:p>
+                  </a:txBody>
+                  <a:tcPr marL="6350" marR="6350" marT="6350" marB="0" anchor="b"/>
+                </a:tc>
+                <a:tc>
+                  <a:txBody>
+                    <a:bodyPr/>
+                    <a:lstStyle/>
+                    <a:p>
+                      <a:pPr algn="l" fontAlgn="b"/>
+                      <a:r>
+                        <a:rPr lang="en-US" sz="1100" b="1" u="none" strike="noStrike">
+                          <a:solidFill>
+                            <a:sysClr val="windowText" lastClr="000000"/>
+                          </a:solidFill>
+                          <a:effectLst/>
+                        </a:rPr>
+                        <a:t>direction</a:t>
+                      </a:r>
+                      <a:endParaRPr lang="en-US" sz="1100" b="1" i="0" u="none" strike="noStrike">
+                        <a:solidFill>
+                          <a:sysClr val="windowText" lastClr="000000"/>
+                        </a:solidFill>
+                        <a:effectLst/>
+                        <a:latin typeface="Calibri" panose="020F0502020204030204" pitchFamily="34" charset="0"/>
+                      </a:endParaRPr>
+                    </a:p>
+                  </a:txBody>
+                  <a:tcPr marL="6350" marR="6350" marT="6350" marB="0" anchor="b"/>
+                </a:tc>
+                <a:tc>
+                  <a:txBody>
+                    <a:bodyPr/>
+                    <a:lstStyle/>
+                    <a:p>
+                      <a:pPr algn="l" fontAlgn="b"/>
+                      <a:r>
+                        <a:rPr lang="en-US" sz="1100" b="1" u="none" strike="noStrike">
+                          <a:solidFill>
+                            <a:sysClr val="windowText" lastClr="000000"/>
+                          </a:solidFill>
+                          <a:effectLst/>
+                        </a:rPr>
+                        <a:t>pred</a:t>
+                      </a:r>
+                      <a:endParaRPr lang="en-US" sz="1100" b="1" i="0" u="none" strike="noStrike">
+                        <a:solidFill>
+                          <a:sysClr val="windowText" lastClr="000000"/>
+                        </a:solidFill>
+                        <a:effectLst/>
+                        <a:latin typeface="Calibri" panose="020F0502020204030204" pitchFamily="34" charset="0"/>
+                      </a:endParaRPr>
+                    </a:p>
+                  </a:txBody>
+                  <a:tcPr marL="6350" marR="6350" marT="6350" marB="0" anchor="b"/>
+                </a:tc>
+                <a:extLst>
+                  <a:ext uri="{0D108BD9-81ED-4DB2-BD59-A6C34878D82A}">
+                    <a16:rowId xmlns:a16="http://schemas.microsoft.com/office/drawing/2014/main" val="3989395017"/>
+                  </a:ext>
+                </a:extLst>
+              </a:tr>
+              <a:tr h="184150">
+                <a:tc>
+                  <a:txBody>
+                    <a:bodyPr/>
+                    <a:lstStyle/>
+                    <a:p>
+                      <a:pPr algn="r" fontAlgn="b"/>
+                      <a:r>
+                        <a:rPr lang="en-US" sz="1100" b="1" u="none" strike="noStrike" dirty="0">
+                          <a:solidFill>
+                            <a:sysClr val="windowText" lastClr="000000"/>
+                          </a:solidFill>
+                          <a:effectLst/>
+                        </a:rPr>
+                        <a:t>12/7/2022</a:t>
+                      </a:r>
+                      <a:endParaRPr lang="en-US" sz="1100" b="1" i="0" u="none" strike="noStrike" dirty="0">
+                        <a:solidFill>
+                          <a:sysClr val="windowText" lastClr="000000"/>
+                        </a:solidFill>
+                        <a:effectLst/>
+                        <a:latin typeface="Calibri" panose="020F0502020204030204" pitchFamily="34" charset="0"/>
+                      </a:endParaRPr>
+                    </a:p>
+                  </a:txBody>
+                  <a:tcPr marL="6350" marR="6350" marT="6350" marB="0" anchor="b"/>
+                </a:tc>
+                <a:tc>
+                  <a:txBody>
+                    <a:bodyPr/>
+                    <a:lstStyle/>
+                    <a:p>
+                      <a:pPr algn="r" fontAlgn="b"/>
+                      <a:r>
+                        <a:rPr lang="en-US" sz="1100" b="1" u="none" strike="noStrike" dirty="0">
+                          <a:solidFill>
+                            <a:sysClr val="windowText" lastClr="000000"/>
+                          </a:solidFill>
+                          <a:effectLst/>
+                        </a:rPr>
+                        <a:t>0.128022</a:t>
+                      </a:r>
+                      <a:endParaRPr lang="en-US" sz="1100" b="1" i="0" u="none" strike="noStrike" dirty="0">
+                        <a:solidFill>
+                          <a:sysClr val="windowText" lastClr="000000"/>
+                        </a:solidFill>
+                        <a:effectLst/>
+                        <a:latin typeface="Calibri" panose="020F0502020204030204" pitchFamily="34" charset="0"/>
+                      </a:endParaRPr>
+                    </a:p>
+                  </a:txBody>
+                  <a:tcPr marL="6350" marR="6350" marT="6350" marB="0" anchor="b"/>
+                </a:tc>
+                <a:tc>
+                  <a:txBody>
+                    <a:bodyPr/>
+                    <a:lstStyle/>
+                    <a:p>
+                      <a:pPr algn="r" fontAlgn="b"/>
+                      <a:r>
+                        <a:rPr lang="en-US" sz="1100" b="1" u="none" strike="noStrike">
+                          <a:solidFill>
+                            <a:sysClr val="windowText" lastClr="000000"/>
+                          </a:solidFill>
+                          <a:effectLst/>
+                        </a:rPr>
+                        <a:t>175.03</a:t>
+                      </a:r>
+                      <a:endParaRPr lang="en-US" sz="1100" b="1" i="0" u="none" strike="noStrike">
+                        <a:solidFill>
+                          <a:sysClr val="windowText" lastClr="000000"/>
+                        </a:solidFill>
+                        <a:effectLst/>
+                        <a:latin typeface="Calibri" panose="020F0502020204030204" pitchFamily="34" charset="0"/>
+                      </a:endParaRPr>
+                    </a:p>
+                  </a:txBody>
+                  <a:tcPr marL="6350" marR="6350" marT="6350" marB="0" anchor="b"/>
+                </a:tc>
+                <a:tc>
+                  <a:txBody>
+                    <a:bodyPr/>
+                    <a:lstStyle/>
+                    <a:p>
+                      <a:pPr algn="r" fontAlgn="b"/>
+                      <a:r>
+                        <a:rPr lang="en-US" sz="1100" b="1" u="none" strike="noStrike">
+                          <a:solidFill>
+                            <a:sysClr val="windowText" lastClr="000000"/>
+                          </a:solidFill>
+                          <a:effectLst/>
+                        </a:rPr>
+                        <a:t>174.04</a:t>
+                      </a:r>
+                      <a:endParaRPr lang="en-US" sz="1100" b="1" i="0" u="none" strike="noStrike">
+                        <a:solidFill>
+                          <a:sysClr val="windowText" lastClr="000000"/>
+                        </a:solidFill>
+                        <a:effectLst/>
+                        <a:latin typeface="Calibri" panose="020F0502020204030204" pitchFamily="34" charset="0"/>
+                      </a:endParaRPr>
+                    </a:p>
+                  </a:txBody>
+                  <a:tcPr marL="6350" marR="6350" marT="6350" marB="0" anchor="b"/>
+                </a:tc>
+                <a:tc>
+                  <a:txBody>
+                    <a:bodyPr/>
+                    <a:lstStyle/>
+                    <a:p>
+                      <a:pPr algn="r" fontAlgn="b"/>
+                      <a:r>
+                        <a:rPr lang="en-US" sz="1100" b="1" u="none" strike="noStrike">
+                          <a:solidFill>
+                            <a:sysClr val="windowText" lastClr="000000"/>
+                          </a:solidFill>
+                          <a:effectLst/>
+                        </a:rPr>
+                        <a:t>-0.99</a:t>
+                      </a:r>
+                      <a:endParaRPr lang="en-US" sz="1100" b="1" i="0" u="none" strike="noStrike">
+                        <a:solidFill>
+                          <a:sysClr val="windowText" lastClr="000000"/>
+                        </a:solidFill>
+                        <a:effectLst/>
+                        <a:latin typeface="Calibri" panose="020F0502020204030204" pitchFamily="34" charset="0"/>
+                      </a:endParaRPr>
+                    </a:p>
+                  </a:txBody>
+                  <a:tcPr marL="6350" marR="6350" marT="6350" marB="0" anchor="b"/>
+                </a:tc>
+                <a:tc>
+                  <a:txBody>
+                    <a:bodyPr/>
+                    <a:lstStyle/>
+                    <a:p>
+                      <a:pPr algn="l" fontAlgn="b"/>
+                      <a:r>
+                        <a:rPr lang="en-US" sz="1100" b="1" u="none" strike="noStrike">
+                          <a:solidFill>
+                            <a:sysClr val="windowText" lastClr="000000"/>
+                          </a:solidFill>
+                          <a:effectLst/>
+                        </a:rPr>
+                        <a:t>down</a:t>
+                      </a:r>
+                      <a:endParaRPr lang="en-US" sz="1100" b="1" i="0" u="none" strike="noStrike">
+                        <a:solidFill>
+                          <a:sysClr val="windowText" lastClr="000000"/>
+                        </a:solidFill>
+                        <a:effectLst/>
+                        <a:latin typeface="Calibri" panose="020F0502020204030204" pitchFamily="34" charset="0"/>
+                      </a:endParaRPr>
+                    </a:p>
+                  </a:txBody>
+                  <a:tcPr marL="6350" marR="6350" marT="6350" marB="0" anchor="b"/>
+                </a:tc>
+                <a:tc>
+                  <a:txBody>
+                    <a:bodyPr/>
+                    <a:lstStyle/>
+                    <a:p>
+                      <a:pPr algn="l" fontAlgn="b"/>
+                      <a:endParaRPr lang="en-US" sz="1100" b="1" i="0" u="none" strike="noStrike">
+                        <a:solidFill>
+                          <a:sysClr val="windowText" lastClr="000000"/>
+                        </a:solidFill>
+                        <a:effectLst/>
+                        <a:latin typeface="Calibri" panose="020F0502020204030204" pitchFamily="34" charset="0"/>
+                      </a:endParaRPr>
+                    </a:p>
+                  </a:txBody>
+                  <a:tcPr marL="6350" marR="6350" marT="6350" marB="0" anchor="b"/>
+                </a:tc>
+                <a:extLst>
+                  <a:ext uri="{0D108BD9-81ED-4DB2-BD59-A6C34878D82A}">
+                    <a16:rowId xmlns:a16="http://schemas.microsoft.com/office/drawing/2014/main" val="4205474095"/>
+                  </a:ext>
+                </a:extLst>
+              </a:tr>
+              <a:tr h="184150">
+                <a:tc>
+                  <a:txBody>
+                    <a:bodyPr/>
+                    <a:lstStyle/>
+                    <a:p>
+                      <a:pPr algn="r" fontAlgn="b"/>
+                      <a:r>
+                        <a:rPr lang="en-US" sz="1100" b="1" u="none" strike="noStrike">
+                          <a:solidFill>
+                            <a:sysClr val="windowText" lastClr="000000"/>
+                          </a:solidFill>
+                          <a:effectLst/>
+                        </a:rPr>
+                        <a:t>12/8/2022</a:t>
+                      </a:r>
+                      <a:endParaRPr lang="en-US" sz="1100" b="1" i="0" u="none" strike="noStrike">
+                        <a:solidFill>
+                          <a:sysClr val="windowText" lastClr="000000"/>
+                        </a:solidFill>
+                        <a:effectLst/>
+                        <a:latin typeface="Calibri" panose="020F0502020204030204" pitchFamily="34" charset="0"/>
+                      </a:endParaRPr>
+                    </a:p>
+                  </a:txBody>
+                  <a:tcPr marL="6350" marR="6350" marT="6350" marB="0" anchor="b"/>
+                </a:tc>
+                <a:tc>
+                  <a:txBody>
+                    <a:bodyPr/>
+                    <a:lstStyle/>
+                    <a:p>
+                      <a:pPr algn="r" fontAlgn="b"/>
+                      <a:r>
+                        <a:rPr lang="en-US" sz="1100" b="1" u="none" strike="noStrike" dirty="0">
+                          <a:solidFill>
+                            <a:sysClr val="windowText" lastClr="000000"/>
+                          </a:solidFill>
+                          <a:effectLst/>
+                        </a:rPr>
+                        <a:t>0.155608</a:t>
+                      </a:r>
+                      <a:endParaRPr lang="en-US" sz="1100" b="1" i="0" u="none" strike="noStrike" dirty="0">
+                        <a:solidFill>
+                          <a:sysClr val="windowText" lastClr="000000"/>
+                        </a:solidFill>
+                        <a:effectLst/>
+                        <a:latin typeface="Calibri" panose="020F0502020204030204" pitchFamily="34" charset="0"/>
+                      </a:endParaRPr>
+                    </a:p>
+                  </a:txBody>
+                  <a:tcPr marL="6350" marR="6350" marT="6350" marB="0" anchor="b"/>
+                </a:tc>
+                <a:tc>
+                  <a:txBody>
+                    <a:bodyPr/>
+                    <a:lstStyle/>
+                    <a:p>
+                      <a:pPr algn="r" fontAlgn="b"/>
+                      <a:r>
+                        <a:rPr lang="en-US" sz="1100" b="1" u="none" strike="noStrike">
+                          <a:solidFill>
+                            <a:sysClr val="windowText" lastClr="000000"/>
+                          </a:solidFill>
+                          <a:effectLst/>
+                        </a:rPr>
+                        <a:t>172.2</a:t>
+                      </a:r>
+                      <a:endParaRPr lang="en-US" sz="1100" b="1" i="0" u="none" strike="noStrike">
+                        <a:solidFill>
+                          <a:sysClr val="windowText" lastClr="000000"/>
+                        </a:solidFill>
+                        <a:effectLst/>
+                        <a:latin typeface="Calibri" panose="020F0502020204030204" pitchFamily="34" charset="0"/>
+                      </a:endParaRPr>
+                    </a:p>
+                  </a:txBody>
+                  <a:tcPr marL="6350" marR="6350" marT="6350" marB="0" anchor="b"/>
+                </a:tc>
+                <a:tc>
+                  <a:txBody>
+                    <a:bodyPr/>
+                    <a:lstStyle/>
+                    <a:p>
+                      <a:pPr algn="r" fontAlgn="b"/>
+                      <a:r>
+                        <a:rPr lang="en-US" sz="1100" b="1" u="none" strike="noStrike">
+                          <a:solidFill>
+                            <a:sysClr val="windowText" lastClr="000000"/>
+                          </a:solidFill>
+                          <a:effectLst/>
+                        </a:rPr>
+                        <a:t>173.44</a:t>
+                      </a:r>
+                      <a:endParaRPr lang="en-US" sz="1100" b="1" i="0" u="none" strike="noStrike">
+                        <a:solidFill>
+                          <a:sysClr val="windowText" lastClr="000000"/>
+                        </a:solidFill>
+                        <a:effectLst/>
+                        <a:latin typeface="Calibri" panose="020F0502020204030204" pitchFamily="34" charset="0"/>
+                      </a:endParaRPr>
+                    </a:p>
+                  </a:txBody>
+                  <a:tcPr marL="6350" marR="6350" marT="6350" marB="0" anchor="b"/>
+                </a:tc>
+                <a:tc>
+                  <a:txBody>
+                    <a:bodyPr/>
+                    <a:lstStyle/>
+                    <a:p>
+                      <a:pPr algn="r" fontAlgn="b"/>
+                      <a:r>
+                        <a:rPr lang="en-US" sz="1100" b="1" u="none" strike="noStrike">
+                          <a:solidFill>
+                            <a:sysClr val="windowText" lastClr="000000"/>
+                          </a:solidFill>
+                          <a:effectLst/>
+                        </a:rPr>
+                        <a:t>1.24</a:t>
+                      </a:r>
+                      <a:endParaRPr lang="en-US" sz="1100" b="1" i="0" u="none" strike="noStrike">
+                        <a:solidFill>
+                          <a:sysClr val="windowText" lastClr="000000"/>
+                        </a:solidFill>
+                        <a:effectLst/>
+                        <a:latin typeface="Calibri" panose="020F0502020204030204" pitchFamily="34" charset="0"/>
+                      </a:endParaRPr>
+                    </a:p>
+                  </a:txBody>
+                  <a:tcPr marL="6350" marR="6350" marT="6350" marB="0" anchor="b"/>
+                </a:tc>
+                <a:tc>
+                  <a:txBody>
+                    <a:bodyPr/>
+                    <a:lstStyle/>
+                    <a:p>
+                      <a:pPr algn="l" fontAlgn="b"/>
+                      <a:r>
+                        <a:rPr lang="en-US" sz="1100" b="1" u="none" strike="noStrike">
+                          <a:solidFill>
+                            <a:sysClr val="windowText" lastClr="000000"/>
+                          </a:solidFill>
+                          <a:effectLst/>
+                        </a:rPr>
+                        <a:t>up</a:t>
+                      </a:r>
+                      <a:endParaRPr lang="en-US" sz="1100" b="1" i="0" u="none" strike="noStrike">
+                        <a:solidFill>
+                          <a:sysClr val="windowText" lastClr="000000"/>
+                        </a:solidFill>
+                        <a:effectLst/>
+                        <a:latin typeface="Calibri" panose="020F0502020204030204" pitchFamily="34" charset="0"/>
+                      </a:endParaRPr>
+                    </a:p>
+                  </a:txBody>
+                  <a:tcPr marL="6350" marR="6350" marT="6350" marB="0" anchor="b"/>
+                </a:tc>
+                <a:tc>
+                  <a:txBody>
+                    <a:bodyPr/>
+                    <a:lstStyle/>
+                    <a:p>
+                      <a:pPr algn="l" fontAlgn="b"/>
+                      <a:endParaRPr lang="en-US" sz="1100" b="1" i="0" u="none" strike="noStrike">
+                        <a:solidFill>
+                          <a:sysClr val="windowText" lastClr="000000"/>
+                        </a:solidFill>
+                        <a:effectLst/>
+                        <a:latin typeface="Calibri" panose="020F0502020204030204" pitchFamily="34" charset="0"/>
+                      </a:endParaRPr>
+                    </a:p>
+                  </a:txBody>
+                  <a:tcPr marL="6350" marR="6350" marT="6350" marB="0" anchor="b"/>
+                </a:tc>
+                <a:extLst>
+                  <a:ext uri="{0D108BD9-81ED-4DB2-BD59-A6C34878D82A}">
+                    <a16:rowId xmlns:a16="http://schemas.microsoft.com/office/drawing/2014/main" val="973133661"/>
+                  </a:ext>
+                </a:extLst>
+              </a:tr>
+              <a:tr h="184150">
+                <a:tc>
+                  <a:txBody>
+                    <a:bodyPr/>
+                    <a:lstStyle/>
+                    <a:p>
+                      <a:pPr algn="r" fontAlgn="b"/>
+                      <a:r>
+                        <a:rPr lang="en-US" sz="1100" b="1" u="none" strike="noStrike">
+                          <a:solidFill>
+                            <a:sysClr val="windowText" lastClr="000000"/>
+                          </a:solidFill>
+                          <a:effectLst/>
+                        </a:rPr>
+                        <a:t>12/9/2022</a:t>
+                      </a:r>
+                      <a:endParaRPr lang="en-US" sz="1100" b="1" i="0" u="none" strike="noStrike">
+                        <a:solidFill>
+                          <a:sysClr val="windowText" lastClr="000000"/>
+                        </a:solidFill>
+                        <a:effectLst/>
+                        <a:latin typeface="Calibri" panose="020F0502020204030204" pitchFamily="34" charset="0"/>
+                      </a:endParaRPr>
+                    </a:p>
+                  </a:txBody>
+                  <a:tcPr marL="6350" marR="6350" marT="6350" marB="0" anchor="b"/>
+                </a:tc>
+                <a:tc>
+                  <a:txBody>
+                    <a:bodyPr/>
+                    <a:lstStyle/>
+                    <a:p>
+                      <a:pPr algn="r" fontAlgn="b"/>
+                      <a:r>
+                        <a:rPr lang="en-US" sz="1100" b="1" u="none" strike="noStrike" dirty="0">
+                          <a:solidFill>
+                            <a:sysClr val="windowText" lastClr="000000"/>
+                          </a:solidFill>
+                          <a:effectLst/>
+                        </a:rPr>
+                        <a:t>0.029505</a:t>
+                      </a:r>
+                      <a:endParaRPr lang="en-US" sz="1100" b="1" i="0" u="none" strike="noStrike" dirty="0">
+                        <a:solidFill>
+                          <a:sysClr val="windowText" lastClr="000000"/>
+                        </a:solidFill>
+                        <a:effectLst/>
+                        <a:latin typeface="Calibri" panose="020F0502020204030204" pitchFamily="34" charset="0"/>
+                      </a:endParaRPr>
+                    </a:p>
+                  </a:txBody>
+                  <a:tcPr marL="6350" marR="6350" marT="6350" marB="0" anchor="b"/>
+                </a:tc>
+                <a:tc>
+                  <a:txBody>
+                    <a:bodyPr/>
+                    <a:lstStyle/>
+                    <a:p>
+                      <a:pPr algn="r" fontAlgn="b"/>
+                      <a:r>
+                        <a:rPr lang="en-US" sz="1100" b="1" u="none" strike="noStrike">
+                          <a:solidFill>
+                            <a:sysClr val="windowText" lastClr="000000"/>
+                          </a:solidFill>
+                          <a:effectLst/>
+                        </a:rPr>
+                        <a:t>173.84</a:t>
+                      </a:r>
+                      <a:endParaRPr lang="en-US" sz="1100" b="1" i="0" u="none" strike="noStrike">
+                        <a:solidFill>
+                          <a:sysClr val="windowText" lastClr="000000"/>
+                        </a:solidFill>
+                        <a:effectLst/>
+                        <a:latin typeface="Calibri" panose="020F0502020204030204" pitchFamily="34" charset="0"/>
+                      </a:endParaRPr>
+                    </a:p>
+                  </a:txBody>
+                  <a:tcPr marL="6350" marR="6350" marT="6350" marB="0" anchor="b"/>
+                </a:tc>
+                <a:tc>
+                  <a:txBody>
+                    <a:bodyPr/>
+                    <a:lstStyle/>
+                    <a:p>
+                      <a:pPr algn="r" fontAlgn="b"/>
+                      <a:r>
+                        <a:rPr lang="en-US" sz="1100" b="1" u="none" strike="noStrike">
+                          <a:solidFill>
+                            <a:sysClr val="windowText" lastClr="000000"/>
+                          </a:solidFill>
+                          <a:effectLst/>
+                        </a:rPr>
+                        <a:t>179.05</a:t>
+                      </a:r>
+                      <a:endParaRPr lang="en-US" sz="1100" b="1" i="0" u="none" strike="noStrike">
+                        <a:solidFill>
+                          <a:sysClr val="windowText" lastClr="000000"/>
+                        </a:solidFill>
+                        <a:effectLst/>
+                        <a:latin typeface="Calibri" panose="020F0502020204030204" pitchFamily="34" charset="0"/>
+                      </a:endParaRPr>
+                    </a:p>
+                  </a:txBody>
+                  <a:tcPr marL="6350" marR="6350" marT="6350" marB="0" anchor="b"/>
+                </a:tc>
+                <a:tc>
+                  <a:txBody>
+                    <a:bodyPr/>
+                    <a:lstStyle/>
+                    <a:p>
+                      <a:pPr algn="r" fontAlgn="b"/>
+                      <a:r>
+                        <a:rPr lang="en-US" sz="1100" b="1" u="none" strike="noStrike">
+                          <a:solidFill>
+                            <a:sysClr val="windowText" lastClr="000000"/>
+                          </a:solidFill>
+                          <a:effectLst/>
+                        </a:rPr>
+                        <a:t>5.21</a:t>
+                      </a:r>
+                      <a:endParaRPr lang="en-US" sz="1100" b="1" i="0" u="none" strike="noStrike">
+                        <a:solidFill>
+                          <a:sysClr val="windowText" lastClr="000000"/>
+                        </a:solidFill>
+                        <a:effectLst/>
+                        <a:latin typeface="Calibri" panose="020F0502020204030204" pitchFamily="34" charset="0"/>
+                      </a:endParaRPr>
+                    </a:p>
+                  </a:txBody>
+                  <a:tcPr marL="6350" marR="6350" marT="6350" marB="0" anchor="b"/>
+                </a:tc>
+                <a:tc>
+                  <a:txBody>
+                    <a:bodyPr/>
+                    <a:lstStyle/>
+                    <a:p>
+                      <a:pPr algn="l" fontAlgn="b"/>
+                      <a:r>
+                        <a:rPr lang="en-US" sz="1100" b="1" u="none" strike="noStrike">
+                          <a:solidFill>
+                            <a:sysClr val="windowText" lastClr="000000"/>
+                          </a:solidFill>
+                          <a:effectLst/>
+                        </a:rPr>
+                        <a:t>up</a:t>
+                      </a:r>
+                      <a:endParaRPr lang="en-US" sz="1100" b="1" i="0" u="none" strike="noStrike">
+                        <a:solidFill>
+                          <a:sysClr val="windowText" lastClr="000000"/>
+                        </a:solidFill>
+                        <a:effectLst/>
+                        <a:latin typeface="Calibri" panose="020F0502020204030204" pitchFamily="34" charset="0"/>
+                      </a:endParaRPr>
+                    </a:p>
+                  </a:txBody>
+                  <a:tcPr marL="6350" marR="6350" marT="6350" marB="0" anchor="b"/>
+                </a:tc>
+                <a:tc>
+                  <a:txBody>
+                    <a:bodyPr/>
+                    <a:lstStyle/>
+                    <a:p>
+                      <a:pPr algn="l" fontAlgn="b"/>
+                      <a:endParaRPr lang="en-US" sz="1100" b="1" i="0" u="none" strike="noStrike">
+                        <a:solidFill>
+                          <a:sysClr val="windowText" lastClr="000000"/>
+                        </a:solidFill>
+                        <a:effectLst/>
+                        <a:latin typeface="Calibri" panose="020F0502020204030204" pitchFamily="34" charset="0"/>
+                      </a:endParaRPr>
+                    </a:p>
+                  </a:txBody>
+                  <a:tcPr marL="6350" marR="6350" marT="6350" marB="0" anchor="b"/>
+                </a:tc>
+                <a:extLst>
+                  <a:ext uri="{0D108BD9-81ED-4DB2-BD59-A6C34878D82A}">
+                    <a16:rowId xmlns:a16="http://schemas.microsoft.com/office/drawing/2014/main" val="2340530832"/>
+                  </a:ext>
+                </a:extLst>
+              </a:tr>
+              <a:tr h="184150">
+                <a:tc>
+                  <a:txBody>
+                    <a:bodyPr/>
+                    <a:lstStyle/>
+                    <a:p>
+                      <a:pPr algn="r" fontAlgn="b"/>
+                      <a:r>
+                        <a:rPr lang="en-US" sz="1100" b="1" u="none" strike="noStrike">
+                          <a:solidFill>
+                            <a:sysClr val="windowText" lastClr="000000"/>
+                          </a:solidFill>
+                          <a:effectLst/>
+                        </a:rPr>
+                        <a:t>12/10/2022</a:t>
+                      </a:r>
+                      <a:endParaRPr lang="en-US" sz="1100" b="1" i="0" u="none" strike="noStrike">
+                        <a:solidFill>
+                          <a:sysClr val="windowText" lastClr="000000"/>
+                        </a:solidFill>
+                        <a:effectLst/>
+                        <a:latin typeface="Calibri" panose="020F0502020204030204" pitchFamily="34" charset="0"/>
+                      </a:endParaRPr>
+                    </a:p>
+                  </a:txBody>
+                  <a:tcPr marL="6350" marR="6350" marT="6350" marB="0" anchor="b"/>
+                </a:tc>
+                <a:tc>
+                  <a:txBody>
+                    <a:bodyPr/>
+                    <a:lstStyle/>
+                    <a:p>
+                      <a:pPr algn="r" fontAlgn="b"/>
+                      <a:r>
+                        <a:rPr lang="en-US" sz="1100" b="1" u="none" strike="noStrike">
+                          <a:solidFill>
+                            <a:sysClr val="windowText" lastClr="000000"/>
+                          </a:solidFill>
+                          <a:effectLst/>
+                        </a:rPr>
+                        <a:t>0.069755</a:t>
+                      </a:r>
+                      <a:endParaRPr lang="en-US" sz="1100" b="1" i="0" u="none" strike="noStrike">
+                        <a:solidFill>
+                          <a:sysClr val="windowText" lastClr="000000"/>
+                        </a:solidFill>
+                        <a:effectLst/>
+                        <a:latin typeface="Calibri" panose="020F0502020204030204" pitchFamily="34" charset="0"/>
+                      </a:endParaRPr>
+                    </a:p>
+                  </a:txBody>
+                  <a:tcPr marL="6350" marR="6350" marT="6350" marB="0" anchor="b"/>
+                </a:tc>
+                <a:tc>
+                  <a:txBody>
+                    <a:bodyPr/>
+                    <a:lstStyle/>
+                    <a:p>
+                      <a:pPr algn="r" fontAlgn="b"/>
+                      <a:r>
+                        <a:rPr lang="en-US" sz="1100" b="1" u="none" strike="noStrike">
+                          <a:solidFill>
+                            <a:sysClr val="windowText" lastClr="000000"/>
+                          </a:solidFill>
+                          <a:effectLst/>
+                        </a:rPr>
+                        <a:t>173.84</a:t>
+                      </a:r>
+                      <a:endParaRPr lang="en-US" sz="1100" b="1" i="0" u="none" strike="noStrike">
+                        <a:solidFill>
+                          <a:sysClr val="windowText" lastClr="000000"/>
+                        </a:solidFill>
+                        <a:effectLst/>
+                        <a:latin typeface="Calibri" panose="020F0502020204030204" pitchFamily="34" charset="0"/>
+                      </a:endParaRPr>
+                    </a:p>
+                  </a:txBody>
+                  <a:tcPr marL="6350" marR="6350" marT="6350" marB="0" anchor="b"/>
+                </a:tc>
+                <a:tc>
+                  <a:txBody>
+                    <a:bodyPr/>
+                    <a:lstStyle/>
+                    <a:p>
+                      <a:pPr algn="r" fontAlgn="b"/>
+                      <a:r>
+                        <a:rPr lang="en-US" sz="1100" b="1" u="none" strike="noStrike">
+                          <a:solidFill>
+                            <a:sysClr val="windowText" lastClr="000000"/>
+                          </a:solidFill>
+                          <a:effectLst/>
+                        </a:rPr>
+                        <a:t>179.05</a:t>
+                      </a:r>
+                      <a:endParaRPr lang="en-US" sz="1100" b="1" i="0" u="none" strike="noStrike">
+                        <a:solidFill>
+                          <a:sysClr val="windowText" lastClr="000000"/>
+                        </a:solidFill>
+                        <a:effectLst/>
+                        <a:latin typeface="Calibri" panose="020F0502020204030204" pitchFamily="34" charset="0"/>
+                      </a:endParaRPr>
+                    </a:p>
+                  </a:txBody>
+                  <a:tcPr marL="6350" marR="6350" marT="6350" marB="0" anchor="b"/>
+                </a:tc>
+                <a:tc>
+                  <a:txBody>
+                    <a:bodyPr/>
+                    <a:lstStyle/>
+                    <a:p>
+                      <a:pPr algn="r" fontAlgn="b"/>
+                      <a:r>
+                        <a:rPr lang="en-US" sz="1100" b="1" u="none" strike="noStrike">
+                          <a:solidFill>
+                            <a:sysClr val="windowText" lastClr="000000"/>
+                          </a:solidFill>
+                          <a:effectLst/>
+                        </a:rPr>
+                        <a:t>5.21</a:t>
+                      </a:r>
+                      <a:endParaRPr lang="en-US" sz="1100" b="1" i="0" u="none" strike="noStrike">
+                        <a:solidFill>
+                          <a:sysClr val="windowText" lastClr="000000"/>
+                        </a:solidFill>
+                        <a:effectLst/>
+                        <a:latin typeface="Calibri" panose="020F0502020204030204" pitchFamily="34" charset="0"/>
+                      </a:endParaRPr>
+                    </a:p>
+                  </a:txBody>
+                  <a:tcPr marL="6350" marR="6350" marT="6350" marB="0" anchor="b"/>
+                </a:tc>
+                <a:tc>
+                  <a:txBody>
+                    <a:bodyPr/>
+                    <a:lstStyle/>
+                    <a:p>
+                      <a:pPr algn="l" fontAlgn="b"/>
+                      <a:r>
+                        <a:rPr lang="en-US" sz="1100" b="1" u="none" strike="noStrike">
+                          <a:solidFill>
+                            <a:sysClr val="windowText" lastClr="000000"/>
+                          </a:solidFill>
+                          <a:effectLst/>
+                        </a:rPr>
+                        <a:t>up</a:t>
+                      </a:r>
+                      <a:endParaRPr lang="en-US" sz="1100" b="1" i="0" u="none" strike="noStrike">
+                        <a:solidFill>
+                          <a:sysClr val="windowText" lastClr="000000"/>
+                        </a:solidFill>
+                        <a:effectLst/>
+                        <a:latin typeface="Calibri" panose="020F0502020204030204" pitchFamily="34" charset="0"/>
+                      </a:endParaRPr>
+                    </a:p>
+                  </a:txBody>
+                  <a:tcPr marL="6350" marR="6350" marT="6350" marB="0" anchor="b"/>
+                </a:tc>
+                <a:tc>
+                  <a:txBody>
+                    <a:bodyPr/>
+                    <a:lstStyle/>
+                    <a:p>
+                      <a:pPr algn="l" fontAlgn="b"/>
+                      <a:endParaRPr lang="en-US" sz="1100" b="1" i="0" u="none" strike="noStrike">
+                        <a:solidFill>
+                          <a:sysClr val="windowText" lastClr="000000"/>
+                        </a:solidFill>
+                        <a:effectLst/>
+                        <a:latin typeface="Calibri" panose="020F0502020204030204" pitchFamily="34" charset="0"/>
+                      </a:endParaRPr>
+                    </a:p>
+                  </a:txBody>
+                  <a:tcPr marL="6350" marR="6350" marT="6350" marB="0" anchor="b"/>
+                </a:tc>
+                <a:extLst>
+                  <a:ext uri="{0D108BD9-81ED-4DB2-BD59-A6C34878D82A}">
+                    <a16:rowId xmlns:a16="http://schemas.microsoft.com/office/drawing/2014/main" val="516744691"/>
+                  </a:ext>
+                </a:extLst>
+              </a:tr>
+              <a:tr h="184150">
+                <a:tc>
+                  <a:txBody>
+                    <a:bodyPr/>
+                    <a:lstStyle/>
+                    <a:p>
+                      <a:pPr algn="r" fontAlgn="b"/>
+                      <a:r>
+                        <a:rPr lang="en-US" sz="1100" b="1" u="none" strike="noStrike">
+                          <a:solidFill>
+                            <a:sysClr val="windowText" lastClr="000000"/>
+                          </a:solidFill>
+                          <a:effectLst/>
+                        </a:rPr>
+                        <a:t>12/11/2022</a:t>
+                      </a:r>
+                      <a:endParaRPr lang="en-US" sz="1100" b="1" i="0" u="none" strike="noStrike">
+                        <a:solidFill>
+                          <a:sysClr val="windowText" lastClr="000000"/>
+                        </a:solidFill>
+                        <a:effectLst/>
+                        <a:latin typeface="Calibri" panose="020F0502020204030204" pitchFamily="34" charset="0"/>
+                      </a:endParaRPr>
+                    </a:p>
+                  </a:txBody>
+                  <a:tcPr marL="6350" marR="6350" marT="6350" marB="0" anchor="b"/>
+                </a:tc>
+                <a:tc>
+                  <a:txBody>
+                    <a:bodyPr/>
+                    <a:lstStyle/>
+                    <a:p>
+                      <a:pPr algn="r" fontAlgn="b"/>
+                      <a:r>
+                        <a:rPr lang="en-US" sz="1100" b="1" u="none" strike="noStrike">
+                          <a:solidFill>
+                            <a:sysClr val="windowText" lastClr="000000"/>
+                          </a:solidFill>
+                          <a:effectLst/>
+                        </a:rPr>
+                        <a:t>0.010891</a:t>
+                      </a:r>
+                      <a:endParaRPr lang="en-US" sz="1100" b="1" i="0" u="none" strike="noStrike">
+                        <a:solidFill>
+                          <a:sysClr val="windowText" lastClr="000000"/>
+                        </a:solidFill>
+                        <a:effectLst/>
+                        <a:latin typeface="Calibri" panose="020F0502020204030204" pitchFamily="34" charset="0"/>
+                      </a:endParaRPr>
+                    </a:p>
+                  </a:txBody>
+                  <a:tcPr marL="6350" marR="6350" marT="6350" marB="0" anchor="b"/>
+                </a:tc>
+                <a:tc>
+                  <a:txBody>
+                    <a:bodyPr/>
+                    <a:lstStyle/>
+                    <a:p>
+                      <a:pPr algn="r" fontAlgn="b"/>
+                      <a:r>
+                        <a:rPr lang="en-US" sz="1100" b="1" u="none" strike="noStrike" dirty="0">
+                          <a:solidFill>
+                            <a:sysClr val="windowText" lastClr="000000"/>
+                          </a:solidFill>
+                          <a:effectLst/>
+                        </a:rPr>
+                        <a:t>173.84</a:t>
+                      </a:r>
+                      <a:endParaRPr lang="en-US" sz="1100" b="1" i="0" u="none" strike="noStrike" dirty="0">
+                        <a:solidFill>
+                          <a:sysClr val="windowText" lastClr="000000"/>
+                        </a:solidFill>
+                        <a:effectLst/>
+                        <a:latin typeface="Calibri" panose="020F0502020204030204" pitchFamily="34" charset="0"/>
+                      </a:endParaRPr>
+                    </a:p>
+                  </a:txBody>
+                  <a:tcPr marL="6350" marR="6350" marT="6350" marB="0" anchor="b"/>
+                </a:tc>
+                <a:tc>
+                  <a:txBody>
+                    <a:bodyPr/>
+                    <a:lstStyle/>
+                    <a:p>
+                      <a:pPr algn="r" fontAlgn="b"/>
+                      <a:r>
+                        <a:rPr lang="en-US" sz="1100" b="1" u="none" strike="noStrike">
+                          <a:solidFill>
+                            <a:sysClr val="windowText" lastClr="000000"/>
+                          </a:solidFill>
+                          <a:effectLst/>
+                        </a:rPr>
+                        <a:t>179.05</a:t>
+                      </a:r>
+                      <a:endParaRPr lang="en-US" sz="1100" b="1" i="0" u="none" strike="noStrike">
+                        <a:solidFill>
+                          <a:sysClr val="windowText" lastClr="000000"/>
+                        </a:solidFill>
+                        <a:effectLst/>
+                        <a:latin typeface="Calibri" panose="020F0502020204030204" pitchFamily="34" charset="0"/>
+                      </a:endParaRPr>
+                    </a:p>
+                  </a:txBody>
+                  <a:tcPr marL="6350" marR="6350" marT="6350" marB="0" anchor="b"/>
+                </a:tc>
+                <a:tc>
+                  <a:txBody>
+                    <a:bodyPr/>
+                    <a:lstStyle/>
+                    <a:p>
+                      <a:pPr algn="r" fontAlgn="b"/>
+                      <a:r>
+                        <a:rPr lang="en-US" sz="1100" b="1" u="none" strike="noStrike">
+                          <a:solidFill>
+                            <a:sysClr val="windowText" lastClr="000000"/>
+                          </a:solidFill>
+                          <a:effectLst/>
+                        </a:rPr>
+                        <a:t>5.21</a:t>
+                      </a:r>
+                      <a:endParaRPr lang="en-US" sz="1100" b="1" i="0" u="none" strike="noStrike">
+                        <a:solidFill>
+                          <a:sysClr val="windowText" lastClr="000000"/>
+                        </a:solidFill>
+                        <a:effectLst/>
+                        <a:latin typeface="Calibri" panose="020F0502020204030204" pitchFamily="34" charset="0"/>
+                      </a:endParaRPr>
+                    </a:p>
+                  </a:txBody>
+                  <a:tcPr marL="6350" marR="6350" marT="6350" marB="0" anchor="b"/>
+                </a:tc>
+                <a:tc>
+                  <a:txBody>
+                    <a:bodyPr/>
+                    <a:lstStyle/>
+                    <a:p>
+                      <a:pPr algn="l" fontAlgn="b"/>
+                      <a:r>
+                        <a:rPr lang="en-US" sz="1100" b="1" u="none" strike="noStrike">
+                          <a:solidFill>
+                            <a:sysClr val="windowText" lastClr="000000"/>
+                          </a:solidFill>
+                          <a:effectLst/>
+                        </a:rPr>
+                        <a:t>up</a:t>
+                      </a:r>
+                      <a:endParaRPr lang="en-US" sz="1100" b="1" i="0" u="none" strike="noStrike">
+                        <a:solidFill>
+                          <a:sysClr val="windowText" lastClr="000000"/>
+                        </a:solidFill>
+                        <a:effectLst/>
+                        <a:latin typeface="Calibri" panose="020F0502020204030204" pitchFamily="34" charset="0"/>
+                      </a:endParaRPr>
+                    </a:p>
+                  </a:txBody>
+                  <a:tcPr marL="6350" marR="6350" marT="6350" marB="0" anchor="b"/>
+                </a:tc>
+                <a:tc>
+                  <a:txBody>
+                    <a:bodyPr/>
+                    <a:lstStyle/>
+                    <a:p>
+                      <a:pPr algn="l" fontAlgn="b"/>
+                      <a:r>
+                        <a:rPr lang="en-US" sz="1100" b="1" u="none" strike="noStrike">
+                          <a:solidFill>
+                            <a:sysClr val="windowText" lastClr="000000"/>
+                          </a:solidFill>
+                          <a:effectLst/>
+                        </a:rPr>
+                        <a:t>up</a:t>
+                      </a:r>
+                      <a:endParaRPr lang="en-US" sz="1100" b="1" i="0" u="none" strike="noStrike">
+                        <a:solidFill>
+                          <a:sysClr val="windowText" lastClr="000000"/>
+                        </a:solidFill>
+                        <a:effectLst/>
+                        <a:latin typeface="Calibri" panose="020F0502020204030204" pitchFamily="34" charset="0"/>
+                      </a:endParaRPr>
+                    </a:p>
+                  </a:txBody>
+                  <a:tcPr marL="6350" marR="6350" marT="6350" marB="0" anchor="b"/>
+                </a:tc>
+                <a:extLst>
+                  <a:ext uri="{0D108BD9-81ED-4DB2-BD59-A6C34878D82A}">
+                    <a16:rowId xmlns:a16="http://schemas.microsoft.com/office/drawing/2014/main" val="2860742076"/>
+                  </a:ext>
+                </a:extLst>
+              </a:tr>
+              <a:tr h="184150">
+                <a:tc>
+                  <a:txBody>
+                    <a:bodyPr/>
+                    <a:lstStyle/>
+                    <a:p>
+                      <a:pPr algn="r" fontAlgn="b"/>
+                      <a:r>
+                        <a:rPr lang="en-US" sz="1100" b="1" u="none" strike="noStrike">
+                          <a:solidFill>
+                            <a:sysClr val="windowText" lastClr="000000"/>
+                          </a:solidFill>
+                          <a:effectLst/>
+                        </a:rPr>
+                        <a:t>12/12/2022</a:t>
+                      </a:r>
+                      <a:endParaRPr lang="en-US" sz="1100" b="1" i="0" u="none" strike="noStrike">
+                        <a:solidFill>
+                          <a:sysClr val="windowText" lastClr="000000"/>
+                        </a:solidFill>
+                        <a:effectLst/>
+                        <a:latin typeface="Calibri" panose="020F0502020204030204" pitchFamily="34" charset="0"/>
+                      </a:endParaRPr>
+                    </a:p>
+                  </a:txBody>
+                  <a:tcPr marL="6350" marR="6350" marT="6350" marB="0" anchor="b"/>
+                </a:tc>
+                <a:tc>
+                  <a:txBody>
+                    <a:bodyPr/>
+                    <a:lstStyle/>
+                    <a:p>
+                      <a:pPr algn="r" fontAlgn="b"/>
+                      <a:r>
+                        <a:rPr lang="en-US" sz="1100" b="1" u="none" strike="noStrike">
+                          <a:solidFill>
+                            <a:sysClr val="windowText" lastClr="000000"/>
+                          </a:solidFill>
+                          <a:effectLst/>
+                        </a:rPr>
+                        <a:t>0.0055</a:t>
+                      </a:r>
+                      <a:endParaRPr lang="en-US" sz="1100" b="1" i="0" u="none" strike="noStrike">
+                        <a:solidFill>
+                          <a:sysClr val="windowText" lastClr="000000"/>
+                        </a:solidFill>
+                        <a:effectLst/>
+                        <a:latin typeface="Calibri" panose="020F0502020204030204" pitchFamily="34" charset="0"/>
+                      </a:endParaRPr>
+                    </a:p>
+                  </a:txBody>
+                  <a:tcPr marL="6350" marR="6350" marT="6350" marB="0" anchor="b"/>
+                </a:tc>
+                <a:tc>
+                  <a:txBody>
+                    <a:bodyPr/>
+                    <a:lstStyle/>
+                    <a:p>
+                      <a:pPr algn="r" fontAlgn="b"/>
+                      <a:r>
+                        <a:rPr lang="en-US" sz="1100" b="1" u="none" strike="noStrike">
+                          <a:solidFill>
+                            <a:sysClr val="windowText" lastClr="000000"/>
+                          </a:solidFill>
+                          <a:effectLst/>
+                        </a:rPr>
+                        <a:t>176.1</a:t>
+                      </a:r>
+                      <a:endParaRPr lang="en-US" sz="1100" b="1" i="0" u="none" strike="noStrike">
+                        <a:solidFill>
+                          <a:sysClr val="windowText" lastClr="000000"/>
+                        </a:solidFill>
+                        <a:effectLst/>
+                        <a:latin typeface="Calibri" panose="020F0502020204030204" pitchFamily="34" charset="0"/>
+                      </a:endParaRPr>
+                    </a:p>
+                  </a:txBody>
+                  <a:tcPr marL="6350" marR="6350" marT="6350" marB="0" anchor="b"/>
+                </a:tc>
+                <a:tc>
+                  <a:txBody>
+                    <a:bodyPr/>
+                    <a:lstStyle/>
+                    <a:p>
+                      <a:pPr algn="r" fontAlgn="b"/>
+                      <a:r>
+                        <a:rPr lang="en-US" sz="1100" b="1" u="none" strike="noStrike" dirty="0">
+                          <a:solidFill>
+                            <a:sysClr val="windowText" lastClr="000000"/>
+                          </a:solidFill>
+                          <a:effectLst/>
+                        </a:rPr>
+                        <a:t>167.82</a:t>
+                      </a:r>
+                      <a:endParaRPr lang="en-US" sz="1100" b="1" i="0" u="none" strike="noStrike" dirty="0">
+                        <a:solidFill>
+                          <a:sysClr val="windowText" lastClr="000000"/>
+                        </a:solidFill>
+                        <a:effectLst/>
+                        <a:latin typeface="Calibri" panose="020F0502020204030204" pitchFamily="34" charset="0"/>
+                      </a:endParaRPr>
+                    </a:p>
+                  </a:txBody>
+                  <a:tcPr marL="6350" marR="6350" marT="6350" marB="0" anchor="b"/>
+                </a:tc>
+                <a:tc>
+                  <a:txBody>
+                    <a:bodyPr/>
+                    <a:lstStyle/>
+                    <a:p>
+                      <a:pPr algn="r" fontAlgn="b"/>
+                      <a:r>
+                        <a:rPr lang="en-US" sz="1100" b="1" u="none" strike="noStrike">
+                          <a:solidFill>
+                            <a:sysClr val="windowText" lastClr="000000"/>
+                          </a:solidFill>
+                          <a:effectLst/>
+                        </a:rPr>
+                        <a:t>-8.28</a:t>
+                      </a:r>
+                      <a:endParaRPr lang="en-US" sz="1100" b="1" i="0" u="none" strike="noStrike">
+                        <a:solidFill>
+                          <a:sysClr val="windowText" lastClr="000000"/>
+                        </a:solidFill>
+                        <a:effectLst/>
+                        <a:latin typeface="Calibri" panose="020F0502020204030204" pitchFamily="34" charset="0"/>
+                      </a:endParaRPr>
+                    </a:p>
+                  </a:txBody>
+                  <a:tcPr marL="6350" marR="6350" marT="6350" marB="0" anchor="b"/>
+                </a:tc>
+                <a:tc>
+                  <a:txBody>
+                    <a:bodyPr/>
+                    <a:lstStyle/>
+                    <a:p>
+                      <a:pPr algn="l" fontAlgn="b"/>
+                      <a:r>
+                        <a:rPr lang="en-US" sz="1100" b="1" u="none" strike="noStrike">
+                          <a:solidFill>
+                            <a:sysClr val="windowText" lastClr="000000"/>
+                          </a:solidFill>
+                          <a:effectLst/>
+                        </a:rPr>
+                        <a:t>down</a:t>
+                      </a:r>
+                      <a:endParaRPr lang="en-US" sz="1100" b="1" i="0" u="none" strike="noStrike">
+                        <a:solidFill>
+                          <a:sysClr val="windowText" lastClr="000000"/>
+                        </a:solidFill>
+                        <a:effectLst/>
+                        <a:latin typeface="Calibri" panose="020F0502020204030204" pitchFamily="34" charset="0"/>
+                      </a:endParaRPr>
+                    </a:p>
+                  </a:txBody>
+                  <a:tcPr marL="6350" marR="6350" marT="6350" marB="0" anchor="b"/>
+                </a:tc>
+                <a:tc>
+                  <a:txBody>
+                    <a:bodyPr/>
+                    <a:lstStyle/>
+                    <a:p>
+                      <a:pPr algn="l" fontAlgn="b"/>
+                      <a:r>
+                        <a:rPr lang="en-US" sz="1100" b="1" u="none" strike="noStrike">
+                          <a:solidFill>
+                            <a:sysClr val="windowText" lastClr="000000"/>
+                          </a:solidFill>
+                          <a:effectLst/>
+                        </a:rPr>
+                        <a:t>up</a:t>
+                      </a:r>
+                      <a:endParaRPr lang="en-US" sz="1100" b="1" i="0" u="none" strike="noStrike">
+                        <a:solidFill>
+                          <a:sysClr val="windowText" lastClr="000000"/>
+                        </a:solidFill>
+                        <a:effectLst/>
+                        <a:latin typeface="Calibri" panose="020F0502020204030204" pitchFamily="34" charset="0"/>
+                      </a:endParaRPr>
+                    </a:p>
+                  </a:txBody>
+                  <a:tcPr marL="6350" marR="6350" marT="6350" marB="0" anchor="b"/>
+                </a:tc>
+                <a:extLst>
+                  <a:ext uri="{0D108BD9-81ED-4DB2-BD59-A6C34878D82A}">
+                    <a16:rowId xmlns:a16="http://schemas.microsoft.com/office/drawing/2014/main" val="1398143783"/>
+                  </a:ext>
+                </a:extLst>
+              </a:tr>
+              <a:tr h="184150">
+                <a:tc>
+                  <a:txBody>
+                    <a:bodyPr/>
+                    <a:lstStyle/>
+                    <a:p>
+                      <a:pPr algn="r" fontAlgn="b"/>
+                      <a:r>
+                        <a:rPr lang="en-US" sz="1100" b="1" u="none" strike="noStrike">
+                          <a:solidFill>
+                            <a:sysClr val="windowText" lastClr="000000"/>
+                          </a:solidFill>
+                          <a:effectLst/>
+                        </a:rPr>
+                        <a:t>12/13/2022</a:t>
+                      </a:r>
+                      <a:endParaRPr lang="en-US" sz="1100" b="1" i="0" u="none" strike="noStrike">
+                        <a:solidFill>
+                          <a:sysClr val="windowText" lastClr="000000"/>
+                        </a:solidFill>
+                        <a:effectLst/>
+                        <a:latin typeface="Calibri" panose="020F0502020204030204" pitchFamily="34" charset="0"/>
+                      </a:endParaRPr>
+                    </a:p>
+                  </a:txBody>
+                  <a:tcPr marL="6350" marR="6350" marT="6350" marB="0" anchor="b"/>
+                </a:tc>
+                <a:tc>
+                  <a:txBody>
+                    <a:bodyPr/>
+                    <a:lstStyle/>
+                    <a:p>
+                      <a:pPr algn="r" fontAlgn="b"/>
+                      <a:r>
+                        <a:rPr lang="en-US" sz="1100" b="1" u="none" strike="noStrike">
+                          <a:solidFill>
+                            <a:sysClr val="windowText" lastClr="000000"/>
+                          </a:solidFill>
+                          <a:effectLst/>
+                        </a:rPr>
+                        <a:t>0.069047</a:t>
+                      </a:r>
+                      <a:endParaRPr lang="en-US" sz="1100" b="1" i="0" u="none" strike="noStrike">
+                        <a:solidFill>
+                          <a:sysClr val="windowText" lastClr="000000"/>
+                        </a:solidFill>
+                        <a:effectLst/>
+                        <a:latin typeface="Calibri" panose="020F0502020204030204" pitchFamily="34" charset="0"/>
+                      </a:endParaRPr>
+                    </a:p>
+                  </a:txBody>
+                  <a:tcPr marL="6350" marR="6350" marT="6350" marB="0" anchor="b"/>
+                </a:tc>
+                <a:tc>
+                  <a:txBody>
+                    <a:bodyPr/>
+                    <a:lstStyle/>
+                    <a:p>
+                      <a:pPr algn="r" fontAlgn="b"/>
+                      <a:r>
+                        <a:rPr lang="en-US" sz="1100" b="1" u="none" strike="noStrike">
+                          <a:solidFill>
+                            <a:sysClr val="windowText" lastClr="000000"/>
+                          </a:solidFill>
+                          <a:effectLst/>
+                        </a:rPr>
+                        <a:t>174.87</a:t>
+                      </a:r>
+                      <a:endParaRPr lang="en-US" sz="1100" b="1" i="0" u="none" strike="noStrike">
+                        <a:solidFill>
+                          <a:sysClr val="windowText" lastClr="000000"/>
+                        </a:solidFill>
+                        <a:effectLst/>
+                        <a:latin typeface="Calibri" panose="020F0502020204030204" pitchFamily="34" charset="0"/>
+                      </a:endParaRPr>
+                    </a:p>
+                  </a:txBody>
+                  <a:tcPr marL="6350" marR="6350" marT="6350" marB="0" anchor="b"/>
+                </a:tc>
+                <a:tc>
+                  <a:txBody>
+                    <a:bodyPr/>
+                    <a:lstStyle/>
+                    <a:p>
+                      <a:pPr algn="r" fontAlgn="b"/>
+                      <a:r>
+                        <a:rPr lang="en-US" sz="1100" b="1" u="none" strike="noStrike">
+                          <a:solidFill>
+                            <a:sysClr val="windowText" lastClr="000000"/>
+                          </a:solidFill>
+                          <a:effectLst/>
+                        </a:rPr>
+                        <a:t>160.95</a:t>
+                      </a:r>
+                      <a:endParaRPr lang="en-US" sz="1100" b="1" i="0" u="none" strike="noStrike">
+                        <a:solidFill>
+                          <a:sysClr val="windowText" lastClr="000000"/>
+                        </a:solidFill>
+                        <a:effectLst/>
+                        <a:latin typeface="Calibri" panose="020F0502020204030204" pitchFamily="34" charset="0"/>
+                      </a:endParaRPr>
+                    </a:p>
+                  </a:txBody>
+                  <a:tcPr marL="6350" marR="6350" marT="6350" marB="0" anchor="b"/>
+                </a:tc>
+                <a:tc>
+                  <a:txBody>
+                    <a:bodyPr/>
+                    <a:lstStyle/>
+                    <a:p>
+                      <a:pPr algn="r" fontAlgn="b"/>
+                      <a:r>
+                        <a:rPr lang="en-US" sz="1100" b="1" u="none" strike="noStrike">
+                          <a:solidFill>
+                            <a:sysClr val="windowText" lastClr="000000"/>
+                          </a:solidFill>
+                          <a:effectLst/>
+                        </a:rPr>
+                        <a:t>-13.92</a:t>
+                      </a:r>
+                      <a:endParaRPr lang="en-US" sz="1100" b="1" i="0" u="none" strike="noStrike">
+                        <a:solidFill>
+                          <a:sysClr val="windowText" lastClr="000000"/>
+                        </a:solidFill>
+                        <a:effectLst/>
+                        <a:latin typeface="Calibri" panose="020F0502020204030204" pitchFamily="34" charset="0"/>
+                      </a:endParaRPr>
+                    </a:p>
+                  </a:txBody>
+                  <a:tcPr marL="6350" marR="6350" marT="6350" marB="0" anchor="b"/>
+                </a:tc>
+                <a:tc>
+                  <a:txBody>
+                    <a:bodyPr/>
+                    <a:lstStyle/>
+                    <a:p>
+                      <a:pPr algn="l" fontAlgn="b"/>
+                      <a:r>
+                        <a:rPr lang="en-US" sz="1100" b="1" u="none" strike="noStrike">
+                          <a:solidFill>
+                            <a:sysClr val="windowText" lastClr="000000"/>
+                          </a:solidFill>
+                          <a:effectLst/>
+                        </a:rPr>
+                        <a:t>down</a:t>
+                      </a:r>
+                      <a:endParaRPr lang="en-US" sz="1100" b="1" i="0" u="none" strike="noStrike">
+                        <a:solidFill>
+                          <a:sysClr val="windowText" lastClr="000000"/>
+                        </a:solidFill>
+                        <a:effectLst/>
+                        <a:latin typeface="Calibri" panose="020F0502020204030204" pitchFamily="34" charset="0"/>
+                      </a:endParaRPr>
+                    </a:p>
+                  </a:txBody>
+                  <a:tcPr marL="6350" marR="6350" marT="6350" marB="0" anchor="b"/>
+                </a:tc>
+                <a:tc>
+                  <a:txBody>
+                    <a:bodyPr/>
+                    <a:lstStyle/>
+                    <a:p>
+                      <a:pPr algn="l" fontAlgn="b"/>
+                      <a:r>
+                        <a:rPr lang="en-US" sz="1100" b="1" u="none" strike="noStrike">
+                          <a:solidFill>
+                            <a:sysClr val="windowText" lastClr="000000"/>
+                          </a:solidFill>
+                          <a:effectLst/>
+                        </a:rPr>
+                        <a:t>down</a:t>
+                      </a:r>
+                      <a:endParaRPr lang="en-US" sz="1100" b="1" i="0" u="none" strike="noStrike">
+                        <a:solidFill>
+                          <a:sysClr val="windowText" lastClr="000000"/>
+                        </a:solidFill>
+                        <a:effectLst/>
+                        <a:latin typeface="Calibri" panose="020F0502020204030204" pitchFamily="34" charset="0"/>
+                      </a:endParaRPr>
+                    </a:p>
+                  </a:txBody>
+                  <a:tcPr marL="6350" marR="6350" marT="6350" marB="0" anchor="b"/>
+                </a:tc>
+                <a:extLst>
+                  <a:ext uri="{0D108BD9-81ED-4DB2-BD59-A6C34878D82A}">
+                    <a16:rowId xmlns:a16="http://schemas.microsoft.com/office/drawing/2014/main" val="72103112"/>
+                  </a:ext>
+                </a:extLst>
+              </a:tr>
+              <a:tr h="184150">
+                <a:tc>
+                  <a:txBody>
+                    <a:bodyPr/>
+                    <a:lstStyle/>
+                    <a:p>
+                      <a:pPr algn="r" fontAlgn="b"/>
+                      <a:r>
+                        <a:rPr lang="en-US" sz="1100" b="1" u="none" strike="noStrike">
+                          <a:solidFill>
+                            <a:sysClr val="windowText" lastClr="000000"/>
+                          </a:solidFill>
+                          <a:effectLst/>
+                        </a:rPr>
+                        <a:t>12/14/2022</a:t>
+                      </a:r>
+                      <a:endParaRPr lang="en-US" sz="1100" b="1" i="0" u="none" strike="noStrike">
+                        <a:solidFill>
+                          <a:sysClr val="windowText" lastClr="000000"/>
+                        </a:solidFill>
+                        <a:effectLst/>
+                        <a:latin typeface="Calibri" panose="020F0502020204030204" pitchFamily="34" charset="0"/>
+                      </a:endParaRPr>
+                    </a:p>
+                  </a:txBody>
+                  <a:tcPr marL="6350" marR="6350" marT="6350" marB="0" anchor="b"/>
+                </a:tc>
+                <a:tc>
+                  <a:txBody>
+                    <a:bodyPr/>
+                    <a:lstStyle/>
+                    <a:p>
+                      <a:pPr algn="r" fontAlgn="b"/>
+                      <a:r>
+                        <a:rPr lang="en-US" sz="1100" b="1" u="none" strike="noStrike">
+                          <a:solidFill>
+                            <a:sysClr val="windowText" lastClr="000000"/>
+                          </a:solidFill>
+                          <a:effectLst/>
+                        </a:rPr>
+                        <a:t>0.143605</a:t>
+                      </a:r>
+                      <a:endParaRPr lang="en-US" sz="1100" b="1" i="0" u="none" strike="noStrike">
+                        <a:solidFill>
+                          <a:sysClr val="windowText" lastClr="000000"/>
+                        </a:solidFill>
+                        <a:effectLst/>
+                        <a:latin typeface="Calibri" panose="020F0502020204030204" pitchFamily="34" charset="0"/>
+                      </a:endParaRPr>
+                    </a:p>
+                  </a:txBody>
+                  <a:tcPr marL="6350" marR="6350" marT="6350" marB="0" anchor="b"/>
+                </a:tc>
+                <a:tc>
+                  <a:txBody>
+                    <a:bodyPr/>
+                    <a:lstStyle/>
+                    <a:p>
+                      <a:pPr algn="r" fontAlgn="b"/>
+                      <a:r>
+                        <a:rPr lang="en-US" sz="1100" b="1" u="none" strike="noStrike">
+                          <a:solidFill>
+                            <a:sysClr val="windowText" lastClr="000000"/>
+                          </a:solidFill>
+                          <a:effectLst/>
+                        </a:rPr>
+                        <a:t>159.25</a:t>
+                      </a:r>
+                      <a:endParaRPr lang="en-US" sz="1100" b="1" i="0" u="none" strike="noStrike">
+                        <a:solidFill>
+                          <a:sysClr val="windowText" lastClr="000000"/>
+                        </a:solidFill>
+                        <a:effectLst/>
+                        <a:latin typeface="Calibri" panose="020F0502020204030204" pitchFamily="34" charset="0"/>
+                      </a:endParaRPr>
+                    </a:p>
+                  </a:txBody>
+                  <a:tcPr marL="6350" marR="6350" marT="6350" marB="0" anchor="b"/>
+                </a:tc>
+                <a:tc>
+                  <a:txBody>
+                    <a:bodyPr/>
+                    <a:lstStyle/>
+                    <a:p>
+                      <a:pPr algn="r" fontAlgn="b"/>
+                      <a:r>
+                        <a:rPr lang="en-US" sz="1100" b="1" u="none" strike="noStrike" dirty="0">
+                          <a:solidFill>
+                            <a:sysClr val="windowText" lastClr="000000"/>
+                          </a:solidFill>
+                          <a:effectLst/>
+                        </a:rPr>
+                        <a:t>156.8</a:t>
+                      </a:r>
+                      <a:endParaRPr lang="en-US" sz="1100" b="1" i="0" u="none" strike="noStrike" dirty="0">
+                        <a:solidFill>
+                          <a:sysClr val="windowText" lastClr="000000"/>
+                        </a:solidFill>
+                        <a:effectLst/>
+                        <a:latin typeface="Calibri" panose="020F0502020204030204" pitchFamily="34" charset="0"/>
+                      </a:endParaRPr>
+                    </a:p>
+                  </a:txBody>
+                  <a:tcPr marL="6350" marR="6350" marT="6350" marB="0" anchor="b"/>
+                </a:tc>
+                <a:tc>
+                  <a:txBody>
+                    <a:bodyPr/>
+                    <a:lstStyle/>
+                    <a:p>
+                      <a:pPr algn="r" fontAlgn="b"/>
+                      <a:r>
+                        <a:rPr lang="en-US" sz="1100" b="1" u="none" strike="noStrike" dirty="0">
+                          <a:solidFill>
+                            <a:sysClr val="windowText" lastClr="000000"/>
+                          </a:solidFill>
+                          <a:effectLst/>
+                        </a:rPr>
+                        <a:t>-2.45</a:t>
+                      </a:r>
+                      <a:endParaRPr lang="en-US" sz="1100" b="1" i="0" u="none" strike="noStrike" dirty="0">
+                        <a:solidFill>
+                          <a:sysClr val="windowText" lastClr="000000"/>
+                        </a:solidFill>
+                        <a:effectLst/>
+                        <a:latin typeface="Calibri" panose="020F0502020204030204" pitchFamily="34" charset="0"/>
+                      </a:endParaRPr>
+                    </a:p>
+                  </a:txBody>
+                  <a:tcPr marL="6350" marR="6350" marT="6350" marB="0" anchor="b"/>
+                </a:tc>
+                <a:tc>
+                  <a:txBody>
+                    <a:bodyPr/>
+                    <a:lstStyle/>
+                    <a:p>
+                      <a:pPr algn="l" fontAlgn="b"/>
+                      <a:r>
+                        <a:rPr lang="en-US" sz="1100" b="1" u="none" strike="noStrike">
+                          <a:solidFill>
+                            <a:sysClr val="windowText" lastClr="000000"/>
+                          </a:solidFill>
+                          <a:effectLst/>
+                        </a:rPr>
+                        <a:t>down</a:t>
+                      </a:r>
+                      <a:endParaRPr lang="en-US" sz="1100" b="1" i="0" u="none" strike="noStrike">
+                        <a:solidFill>
+                          <a:sysClr val="windowText" lastClr="000000"/>
+                        </a:solidFill>
+                        <a:effectLst/>
+                        <a:latin typeface="Calibri" panose="020F0502020204030204" pitchFamily="34" charset="0"/>
+                      </a:endParaRPr>
+                    </a:p>
+                  </a:txBody>
+                  <a:tcPr marL="6350" marR="6350" marT="6350" marB="0" anchor="b"/>
+                </a:tc>
+                <a:tc>
+                  <a:txBody>
+                    <a:bodyPr/>
+                    <a:lstStyle/>
+                    <a:p>
+                      <a:pPr algn="l" fontAlgn="b"/>
+                      <a:r>
+                        <a:rPr lang="en-US" sz="1100" b="1" u="none" strike="noStrike">
+                          <a:solidFill>
+                            <a:sysClr val="windowText" lastClr="000000"/>
+                          </a:solidFill>
+                          <a:effectLst/>
+                        </a:rPr>
+                        <a:t>down</a:t>
+                      </a:r>
+                      <a:endParaRPr lang="en-US" sz="1100" b="1" i="0" u="none" strike="noStrike">
+                        <a:solidFill>
+                          <a:sysClr val="windowText" lastClr="000000"/>
+                        </a:solidFill>
+                        <a:effectLst/>
+                        <a:latin typeface="Calibri" panose="020F0502020204030204" pitchFamily="34" charset="0"/>
+                      </a:endParaRPr>
+                    </a:p>
+                  </a:txBody>
+                  <a:tcPr marL="6350" marR="6350" marT="6350" marB="0" anchor="b"/>
+                </a:tc>
+                <a:extLst>
+                  <a:ext uri="{0D108BD9-81ED-4DB2-BD59-A6C34878D82A}">
+                    <a16:rowId xmlns:a16="http://schemas.microsoft.com/office/drawing/2014/main" val="2996956205"/>
+                  </a:ext>
+                </a:extLst>
+              </a:tr>
+              <a:tr h="184150">
+                <a:tc>
+                  <a:txBody>
+                    <a:bodyPr/>
+                    <a:lstStyle/>
+                    <a:p>
+                      <a:pPr algn="r" fontAlgn="b"/>
+                      <a:r>
+                        <a:rPr lang="en-US" sz="1100" b="1" u="none" strike="noStrike">
+                          <a:solidFill>
+                            <a:sysClr val="windowText" lastClr="000000"/>
+                          </a:solidFill>
+                          <a:effectLst/>
+                        </a:rPr>
+                        <a:t>12/15/2022</a:t>
+                      </a:r>
+                      <a:endParaRPr lang="en-US" sz="1100" b="1" i="0" u="none" strike="noStrike">
+                        <a:solidFill>
+                          <a:sysClr val="windowText" lastClr="000000"/>
+                        </a:solidFill>
+                        <a:effectLst/>
+                        <a:latin typeface="Calibri" panose="020F0502020204030204" pitchFamily="34" charset="0"/>
+                      </a:endParaRPr>
+                    </a:p>
+                  </a:txBody>
+                  <a:tcPr marL="6350" marR="6350" marT="6350" marB="0" anchor="b"/>
+                </a:tc>
+                <a:tc>
+                  <a:txBody>
+                    <a:bodyPr/>
+                    <a:lstStyle/>
+                    <a:p>
+                      <a:pPr algn="l" fontAlgn="b"/>
+                      <a:endParaRPr lang="en-US" sz="1100" b="1" i="0" u="none" strike="noStrike">
+                        <a:solidFill>
+                          <a:sysClr val="windowText" lastClr="000000"/>
+                        </a:solidFill>
+                        <a:effectLst/>
+                        <a:latin typeface="Calibri" panose="020F0502020204030204" pitchFamily="34" charset="0"/>
+                      </a:endParaRPr>
+                    </a:p>
+                  </a:txBody>
+                  <a:tcPr marL="6350" marR="6350" marT="6350" marB="0" anchor="b"/>
+                </a:tc>
+                <a:tc>
+                  <a:txBody>
+                    <a:bodyPr/>
+                    <a:lstStyle/>
+                    <a:p>
+                      <a:pPr algn="l" fontAlgn="b"/>
+                      <a:endParaRPr lang="en-US" sz="1100" b="1" i="0" u="none" strike="noStrike">
+                        <a:solidFill>
+                          <a:sysClr val="windowText" lastClr="000000"/>
+                        </a:solidFill>
+                        <a:effectLst/>
+                        <a:latin typeface="Calibri" panose="020F0502020204030204" pitchFamily="34" charset="0"/>
+                      </a:endParaRPr>
+                    </a:p>
+                  </a:txBody>
+                  <a:tcPr marL="6350" marR="6350" marT="6350" marB="0" anchor="b"/>
+                </a:tc>
+                <a:tc>
+                  <a:txBody>
+                    <a:bodyPr/>
+                    <a:lstStyle/>
+                    <a:p>
+                      <a:pPr algn="l" fontAlgn="b"/>
+                      <a:endParaRPr lang="en-US" sz="1100" b="1" i="0" u="none" strike="noStrike">
+                        <a:solidFill>
+                          <a:sysClr val="windowText" lastClr="000000"/>
+                        </a:solidFill>
+                        <a:effectLst/>
+                        <a:latin typeface="Calibri" panose="020F0502020204030204" pitchFamily="34" charset="0"/>
+                      </a:endParaRPr>
+                    </a:p>
+                  </a:txBody>
+                  <a:tcPr marL="6350" marR="6350" marT="6350" marB="0" anchor="b"/>
+                </a:tc>
+                <a:tc>
+                  <a:txBody>
+                    <a:bodyPr/>
+                    <a:lstStyle/>
+                    <a:p>
+                      <a:pPr algn="l" fontAlgn="b"/>
+                      <a:endParaRPr lang="en-US" sz="1100" b="1" i="0" u="none" strike="noStrike" dirty="0">
+                        <a:solidFill>
+                          <a:sysClr val="windowText" lastClr="000000"/>
+                        </a:solidFill>
+                        <a:effectLst/>
+                        <a:latin typeface="Calibri" panose="020F0502020204030204" pitchFamily="34" charset="0"/>
+                      </a:endParaRPr>
+                    </a:p>
+                  </a:txBody>
+                  <a:tcPr marL="6350" marR="6350" marT="6350" marB="0" anchor="b"/>
+                </a:tc>
+                <a:tc>
+                  <a:txBody>
+                    <a:bodyPr/>
+                    <a:lstStyle/>
+                    <a:p>
+                      <a:pPr algn="l" fontAlgn="b"/>
+                      <a:endParaRPr lang="en-US" sz="1100" b="1" i="0" u="none" strike="noStrike">
+                        <a:solidFill>
+                          <a:sysClr val="windowText" lastClr="000000"/>
+                        </a:solidFill>
+                        <a:effectLst/>
+                        <a:latin typeface="Calibri" panose="020F0502020204030204" pitchFamily="34" charset="0"/>
+                      </a:endParaRPr>
+                    </a:p>
+                  </a:txBody>
+                  <a:tcPr marL="6350" marR="6350" marT="6350" marB="0" anchor="b"/>
+                </a:tc>
+                <a:tc>
+                  <a:txBody>
+                    <a:bodyPr/>
+                    <a:lstStyle/>
+                    <a:p>
+                      <a:pPr algn="l" fontAlgn="b"/>
+                      <a:r>
+                        <a:rPr lang="en-US" sz="1100" b="1" u="none" strike="noStrike">
+                          <a:solidFill>
+                            <a:sysClr val="windowText" lastClr="000000"/>
+                          </a:solidFill>
+                          <a:effectLst/>
+                        </a:rPr>
+                        <a:t>down</a:t>
+                      </a:r>
+                      <a:endParaRPr lang="en-US" sz="1100" b="1" i="0" u="none" strike="noStrike">
+                        <a:solidFill>
+                          <a:sysClr val="windowText" lastClr="000000"/>
+                        </a:solidFill>
+                        <a:effectLst/>
+                        <a:latin typeface="Calibri" panose="020F0502020204030204" pitchFamily="34" charset="0"/>
+                      </a:endParaRPr>
+                    </a:p>
+                  </a:txBody>
+                  <a:tcPr marL="6350" marR="6350" marT="6350" marB="0" anchor="b"/>
+                </a:tc>
+                <a:extLst>
+                  <a:ext uri="{0D108BD9-81ED-4DB2-BD59-A6C34878D82A}">
+                    <a16:rowId xmlns:a16="http://schemas.microsoft.com/office/drawing/2014/main" val="3062698115"/>
+                  </a:ext>
+                </a:extLst>
+              </a:tr>
+              <a:tr h="184150">
+                <a:tc>
+                  <a:txBody>
+                    <a:bodyPr/>
+                    <a:lstStyle/>
+                    <a:p>
+                      <a:pPr algn="r" fontAlgn="b"/>
+                      <a:r>
+                        <a:rPr lang="en-US" sz="1100" b="1" u="none" strike="noStrike">
+                          <a:solidFill>
+                            <a:sysClr val="windowText" lastClr="000000"/>
+                          </a:solidFill>
+                          <a:effectLst/>
+                        </a:rPr>
+                        <a:t>12/16/2022</a:t>
+                      </a:r>
+                      <a:endParaRPr lang="en-US" sz="1100" b="1" i="0" u="none" strike="noStrike">
+                        <a:solidFill>
+                          <a:sysClr val="windowText" lastClr="000000"/>
+                        </a:solidFill>
+                        <a:effectLst/>
+                        <a:latin typeface="Calibri" panose="020F0502020204030204" pitchFamily="34" charset="0"/>
+                      </a:endParaRPr>
+                    </a:p>
+                  </a:txBody>
+                  <a:tcPr marL="6350" marR="6350" marT="6350" marB="0" anchor="b"/>
+                </a:tc>
+                <a:tc>
+                  <a:txBody>
+                    <a:bodyPr/>
+                    <a:lstStyle/>
+                    <a:p>
+                      <a:pPr algn="l" fontAlgn="b"/>
+                      <a:endParaRPr lang="en-US" sz="1100" b="1" i="0" u="none" strike="noStrike">
+                        <a:solidFill>
+                          <a:sysClr val="windowText" lastClr="000000"/>
+                        </a:solidFill>
+                        <a:effectLst/>
+                        <a:latin typeface="Calibri" panose="020F0502020204030204" pitchFamily="34" charset="0"/>
+                      </a:endParaRPr>
+                    </a:p>
+                  </a:txBody>
+                  <a:tcPr marL="6350" marR="6350" marT="6350" marB="0" anchor="b"/>
+                </a:tc>
+                <a:tc>
+                  <a:txBody>
+                    <a:bodyPr/>
+                    <a:lstStyle/>
+                    <a:p>
+                      <a:pPr algn="l" fontAlgn="b"/>
+                      <a:endParaRPr lang="en-US" sz="1100" b="1" i="0" u="none" strike="noStrike">
+                        <a:solidFill>
+                          <a:sysClr val="windowText" lastClr="000000"/>
+                        </a:solidFill>
+                        <a:effectLst/>
+                        <a:latin typeface="Calibri" panose="020F0502020204030204" pitchFamily="34" charset="0"/>
+                      </a:endParaRPr>
+                    </a:p>
+                  </a:txBody>
+                  <a:tcPr marL="6350" marR="6350" marT="6350" marB="0" anchor="b"/>
+                </a:tc>
+                <a:tc>
+                  <a:txBody>
+                    <a:bodyPr/>
+                    <a:lstStyle/>
+                    <a:p>
+                      <a:pPr algn="l" fontAlgn="b"/>
+                      <a:endParaRPr lang="en-US" sz="1100" b="1" i="0" u="none" strike="noStrike">
+                        <a:solidFill>
+                          <a:sysClr val="windowText" lastClr="000000"/>
+                        </a:solidFill>
+                        <a:effectLst/>
+                        <a:latin typeface="Calibri" panose="020F0502020204030204" pitchFamily="34" charset="0"/>
+                      </a:endParaRPr>
+                    </a:p>
+                  </a:txBody>
+                  <a:tcPr marL="6350" marR="6350" marT="6350" marB="0" anchor="b"/>
+                </a:tc>
+                <a:tc>
+                  <a:txBody>
+                    <a:bodyPr/>
+                    <a:lstStyle/>
+                    <a:p>
+                      <a:pPr algn="l" fontAlgn="b"/>
+                      <a:endParaRPr lang="en-US" sz="1100" b="1" i="0" u="none" strike="noStrike">
+                        <a:solidFill>
+                          <a:sysClr val="windowText" lastClr="000000"/>
+                        </a:solidFill>
+                        <a:effectLst/>
+                        <a:latin typeface="Calibri" panose="020F0502020204030204" pitchFamily="34" charset="0"/>
+                      </a:endParaRPr>
+                    </a:p>
+                  </a:txBody>
+                  <a:tcPr marL="6350" marR="6350" marT="6350" marB="0" anchor="b"/>
+                </a:tc>
+                <a:tc>
+                  <a:txBody>
+                    <a:bodyPr/>
+                    <a:lstStyle/>
+                    <a:p>
+                      <a:pPr algn="l" fontAlgn="b"/>
+                      <a:endParaRPr lang="en-US" sz="1100" b="1" i="0" u="none" strike="noStrike" dirty="0">
+                        <a:solidFill>
+                          <a:sysClr val="windowText" lastClr="000000"/>
+                        </a:solidFill>
+                        <a:effectLst/>
+                        <a:latin typeface="Calibri" panose="020F0502020204030204" pitchFamily="34" charset="0"/>
+                      </a:endParaRPr>
+                    </a:p>
+                  </a:txBody>
+                  <a:tcPr marL="6350" marR="6350" marT="6350" marB="0" anchor="b"/>
+                </a:tc>
+                <a:tc>
+                  <a:txBody>
+                    <a:bodyPr/>
+                    <a:lstStyle/>
+                    <a:p>
+                      <a:pPr algn="l" fontAlgn="b"/>
+                      <a:r>
+                        <a:rPr lang="en-US" sz="1100" b="1" u="none" strike="noStrike">
+                          <a:solidFill>
+                            <a:sysClr val="windowText" lastClr="000000"/>
+                          </a:solidFill>
+                          <a:effectLst/>
+                        </a:rPr>
+                        <a:t>down</a:t>
+                      </a:r>
+                      <a:endParaRPr lang="en-US" sz="1100" b="1" i="0" u="none" strike="noStrike">
+                        <a:solidFill>
+                          <a:sysClr val="windowText" lastClr="000000"/>
+                        </a:solidFill>
+                        <a:effectLst/>
+                        <a:latin typeface="Calibri" panose="020F0502020204030204" pitchFamily="34" charset="0"/>
+                      </a:endParaRPr>
+                    </a:p>
+                  </a:txBody>
+                  <a:tcPr marL="6350" marR="6350" marT="6350" marB="0" anchor="b"/>
+                </a:tc>
+                <a:extLst>
+                  <a:ext uri="{0D108BD9-81ED-4DB2-BD59-A6C34878D82A}">
+                    <a16:rowId xmlns:a16="http://schemas.microsoft.com/office/drawing/2014/main" val="45613888"/>
+                  </a:ext>
+                </a:extLst>
+              </a:tr>
+              <a:tr h="184150">
+                <a:tc>
+                  <a:txBody>
+                    <a:bodyPr/>
+                    <a:lstStyle/>
+                    <a:p>
+                      <a:pPr algn="r" fontAlgn="b"/>
+                      <a:r>
+                        <a:rPr lang="en-US" sz="1100" b="1" u="none" strike="noStrike">
+                          <a:solidFill>
+                            <a:sysClr val="windowText" lastClr="000000"/>
+                          </a:solidFill>
+                          <a:effectLst/>
+                        </a:rPr>
+                        <a:t>12/17/2022</a:t>
+                      </a:r>
+                      <a:endParaRPr lang="en-US" sz="1100" b="1" i="0" u="none" strike="noStrike">
+                        <a:solidFill>
+                          <a:sysClr val="windowText" lastClr="000000"/>
+                        </a:solidFill>
+                        <a:effectLst/>
+                        <a:latin typeface="Calibri" panose="020F0502020204030204" pitchFamily="34" charset="0"/>
+                      </a:endParaRPr>
+                    </a:p>
+                  </a:txBody>
+                  <a:tcPr marL="6350" marR="6350" marT="6350" marB="0" anchor="b"/>
+                </a:tc>
+                <a:tc>
+                  <a:txBody>
+                    <a:bodyPr/>
+                    <a:lstStyle/>
+                    <a:p>
+                      <a:pPr algn="l" fontAlgn="b"/>
+                      <a:endParaRPr lang="en-US" sz="1100" b="1" i="0" u="none" strike="noStrike">
+                        <a:solidFill>
+                          <a:sysClr val="windowText" lastClr="000000"/>
+                        </a:solidFill>
+                        <a:effectLst/>
+                        <a:latin typeface="Calibri" panose="020F0502020204030204" pitchFamily="34" charset="0"/>
+                      </a:endParaRPr>
+                    </a:p>
+                  </a:txBody>
+                  <a:tcPr marL="6350" marR="6350" marT="6350" marB="0" anchor="b"/>
+                </a:tc>
+                <a:tc>
+                  <a:txBody>
+                    <a:bodyPr/>
+                    <a:lstStyle/>
+                    <a:p>
+                      <a:pPr algn="l" fontAlgn="b"/>
+                      <a:endParaRPr lang="en-US" sz="1100" b="1" i="0" u="none" strike="noStrike">
+                        <a:solidFill>
+                          <a:sysClr val="windowText" lastClr="000000"/>
+                        </a:solidFill>
+                        <a:effectLst/>
+                        <a:latin typeface="Calibri" panose="020F0502020204030204" pitchFamily="34" charset="0"/>
+                      </a:endParaRPr>
+                    </a:p>
+                  </a:txBody>
+                  <a:tcPr marL="6350" marR="6350" marT="6350" marB="0" anchor="b"/>
+                </a:tc>
+                <a:tc>
+                  <a:txBody>
+                    <a:bodyPr/>
+                    <a:lstStyle/>
+                    <a:p>
+                      <a:pPr algn="l" fontAlgn="b"/>
+                      <a:endParaRPr lang="en-US" sz="1100" b="1" i="0" u="none" strike="noStrike">
+                        <a:solidFill>
+                          <a:sysClr val="windowText" lastClr="000000"/>
+                        </a:solidFill>
+                        <a:effectLst/>
+                        <a:latin typeface="Calibri" panose="020F0502020204030204" pitchFamily="34" charset="0"/>
+                      </a:endParaRPr>
+                    </a:p>
+                  </a:txBody>
+                  <a:tcPr marL="6350" marR="6350" marT="6350" marB="0" anchor="b"/>
+                </a:tc>
+                <a:tc>
+                  <a:txBody>
+                    <a:bodyPr/>
+                    <a:lstStyle/>
+                    <a:p>
+                      <a:pPr algn="l" fontAlgn="b"/>
+                      <a:endParaRPr lang="en-US" sz="1100" b="1" i="0" u="none" strike="noStrike">
+                        <a:solidFill>
+                          <a:sysClr val="windowText" lastClr="000000"/>
+                        </a:solidFill>
+                        <a:effectLst/>
+                        <a:latin typeface="Calibri" panose="020F0502020204030204" pitchFamily="34" charset="0"/>
+                      </a:endParaRPr>
+                    </a:p>
+                  </a:txBody>
+                  <a:tcPr marL="6350" marR="6350" marT="6350" marB="0" anchor="b"/>
+                </a:tc>
+                <a:tc>
+                  <a:txBody>
+                    <a:bodyPr/>
+                    <a:lstStyle/>
+                    <a:p>
+                      <a:pPr algn="l" fontAlgn="b"/>
+                      <a:endParaRPr lang="en-US" sz="1100" b="1" i="0" u="none" strike="noStrike" dirty="0">
+                        <a:solidFill>
+                          <a:sysClr val="windowText" lastClr="000000"/>
+                        </a:solidFill>
+                        <a:effectLst/>
+                        <a:latin typeface="Calibri" panose="020F0502020204030204" pitchFamily="34" charset="0"/>
+                      </a:endParaRPr>
+                    </a:p>
+                  </a:txBody>
+                  <a:tcPr marL="6350" marR="6350" marT="6350" marB="0" anchor="b"/>
+                </a:tc>
+                <a:tc>
+                  <a:txBody>
+                    <a:bodyPr/>
+                    <a:lstStyle/>
+                    <a:p>
+                      <a:pPr algn="l" fontAlgn="b"/>
+                      <a:r>
+                        <a:rPr lang="en-US" sz="1100" b="1" u="none" strike="noStrike" dirty="0">
+                          <a:solidFill>
+                            <a:sysClr val="windowText" lastClr="000000"/>
+                          </a:solidFill>
+                          <a:effectLst/>
+                        </a:rPr>
+                        <a:t>down</a:t>
+                      </a:r>
+                      <a:endParaRPr lang="en-US" sz="1100" b="1" i="0" u="none" strike="noStrike" dirty="0">
+                        <a:solidFill>
+                          <a:sysClr val="windowText" lastClr="000000"/>
+                        </a:solidFill>
+                        <a:effectLst/>
+                        <a:latin typeface="Calibri" panose="020F0502020204030204" pitchFamily="34" charset="0"/>
+                      </a:endParaRPr>
+                    </a:p>
+                  </a:txBody>
+                  <a:tcPr marL="6350" marR="6350" marT="6350" marB="0" anchor="b"/>
+                </a:tc>
+                <a:extLst>
+                  <a:ext uri="{0D108BD9-81ED-4DB2-BD59-A6C34878D82A}">
+                    <a16:rowId xmlns:a16="http://schemas.microsoft.com/office/drawing/2014/main" val="3901343040"/>
+                  </a:ext>
+                </a:extLst>
+              </a:tr>
+              <a:tr h="184150">
+                <a:tc>
+                  <a:txBody>
+                    <a:bodyPr/>
+                    <a:lstStyle/>
+                    <a:p>
+                      <a:pPr algn="r" fontAlgn="b"/>
+                      <a:r>
+                        <a:rPr lang="en-US" sz="1100" b="1" u="none" strike="noStrike">
+                          <a:solidFill>
+                            <a:sysClr val="windowText" lastClr="000000"/>
+                          </a:solidFill>
+                          <a:effectLst/>
+                        </a:rPr>
+                        <a:t>12/18/2022</a:t>
+                      </a:r>
+                      <a:endParaRPr lang="en-US" sz="1100" b="1" i="0" u="none" strike="noStrike">
+                        <a:solidFill>
+                          <a:sysClr val="windowText" lastClr="000000"/>
+                        </a:solidFill>
+                        <a:effectLst/>
+                        <a:latin typeface="Calibri" panose="020F0502020204030204" pitchFamily="34" charset="0"/>
+                      </a:endParaRPr>
+                    </a:p>
+                  </a:txBody>
+                  <a:tcPr marL="6350" marR="6350" marT="6350" marB="0" anchor="b"/>
+                </a:tc>
+                <a:tc>
+                  <a:txBody>
+                    <a:bodyPr/>
+                    <a:lstStyle/>
+                    <a:p>
+                      <a:pPr algn="l" fontAlgn="b"/>
+                      <a:endParaRPr lang="en-US" sz="1100" b="1" i="0" u="none" strike="noStrike">
+                        <a:solidFill>
+                          <a:sysClr val="windowText" lastClr="000000"/>
+                        </a:solidFill>
+                        <a:effectLst/>
+                        <a:latin typeface="Calibri" panose="020F0502020204030204" pitchFamily="34" charset="0"/>
+                      </a:endParaRPr>
+                    </a:p>
+                  </a:txBody>
+                  <a:tcPr marL="6350" marR="6350" marT="6350" marB="0" anchor="b"/>
+                </a:tc>
+                <a:tc>
+                  <a:txBody>
+                    <a:bodyPr/>
+                    <a:lstStyle/>
+                    <a:p>
+                      <a:pPr algn="l" fontAlgn="b"/>
+                      <a:endParaRPr lang="en-US" sz="1100" b="1" i="0" u="none" strike="noStrike">
+                        <a:solidFill>
+                          <a:sysClr val="windowText" lastClr="000000"/>
+                        </a:solidFill>
+                        <a:effectLst/>
+                        <a:latin typeface="Calibri" panose="020F0502020204030204" pitchFamily="34" charset="0"/>
+                      </a:endParaRPr>
+                    </a:p>
+                  </a:txBody>
+                  <a:tcPr marL="6350" marR="6350" marT="6350" marB="0" anchor="b"/>
+                </a:tc>
+                <a:tc>
+                  <a:txBody>
+                    <a:bodyPr/>
+                    <a:lstStyle/>
+                    <a:p>
+                      <a:pPr algn="l" fontAlgn="b"/>
+                      <a:endParaRPr lang="en-US" sz="1100" b="1" i="0" u="none" strike="noStrike">
+                        <a:solidFill>
+                          <a:sysClr val="windowText" lastClr="000000"/>
+                        </a:solidFill>
+                        <a:effectLst/>
+                        <a:latin typeface="Calibri" panose="020F0502020204030204" pitchFamily="34" charset="0"/>
+                      </a:endParaRPr>
+                    </a:p>
+                  </a:txBody>
+                  <a:tcPr marL="6350" marR="6350" marT="6350" marB="0" anchor="b"/>
+                </a:tc>
+                <a:tc>
+                  <a:txBody>
+                    <a:bodyPr/>
+                    <a:lstStyle/>
+                    <a:p>
+                      <a:pPr algn="l" fontAlgn="b"/>
+                      <a:endParaRPr lang="en-US" sz="1100" b="1" i="0" u="none" strike="noStrike">
+                        <a:solidFill>
+                          <a:sysClr val="windowText" lastClr="000000"/>
+                        </a:solidFill>
+                        <a:effectLst/>
+                        <a:latin typeface="Calibri" panose="020F0502020204030204" pitchFamily="34" charset="0"/>
+                      </a:endParaRPr>
+                    </a:p>
+                  </a:txBody>
+                  <a:tcPr marL="6350" marR="6350" marT="6350" marB="0" anchor="b"/>
+                </a:tc>
+                <a:tc>
+                  <a:txBody>
+                    <a:bodyPr/>
+                    <a:lstStyle/>
+                    <a:p>
+                      <a:pPr algn="l" fontAlgn="b"/>
+                      <a:endParaRPr lang="en-US" sz="1100" b="1" i="0" u="none" strike="noStrike">
+                        <a:solidFill>
+                          <a:sysClr val="windowText" lastClr="000000"/>
+                        </a:solidFill>
+                        <a:effectLst/>
+                        <a:latin typeface="Calibri" panose="020F0502020204030204" pitchFamily="34" charset="0"/>
+                      </a:endParaRPr>
+                    </a:p>
+                  </a:txBody>
+                  <a:tcPr marL="6350" marR="6350" marT="6350" marB="0" anchor="b"/>
+                </a:tc>
+                <a:tc>
+                  <a:txBody>
+                    <a:bodyPr/>
+                    <a:lstStyle/>
+                    <a:p>
+                      <a:pPr algn="l" fontAlgn="b"/>
+                      <a:r>
+                        <a:rPr lang="en-US" sz="1100" b="1" u="none" strike="noStrike" dirty="0">
+                          <a:solidFill>
+                            <a:sysClr val="windowText" lastClr="000000"/>
+                          </a:solidFill>
+                          <a:effectLst/>
+                        </a:rPr>
+                        <a:t>up</a:t>
+                      </a:r>
+                      <a:endParaRPr lang="en-US" sz="1100" b="1" i="0" u="none" strike="noStrike" dirty="0">
+                        <a:solidFill>
+                          <a:sysClr val="windowText" lastClr="000000"/>
+                        </a:solidFill>
+                        <a:effectLst/>
+                        <a:latin typeface="Calibri" panose="020F0502020204030204" pitchFamily="34" charset="0"/>
+                      </a:endParaRPr>
+                    </a:p>
+                  </a:txBody>
+                  <a:tcPr marL="6350" marR="6350" marT="6350" marB="0" anchor="b"/>
+                </a:tc>
+                <a:extLst>
+                  <a:ext uri="{0D108BD9-81ED-4DB2-BD59-A6C34878D82A}">
+                    <a16:rowId xmlns:a16="http://schemas.microsoft.com/office/drawing/2014/main" val="1437837632"/>
+                  </a:ext>
+                </a:extLst>
+              </a:tr>
+            </a:tbl>
+          </a:graphicData>
+        </a:graphic>
+      </p:graphicFrame>
+    </p:spTree>
+    <p:extLst>
+      <p:ext uri="{BB962C8B-B14F-4D97-AF65-F5344CB8AC3E}">
+        <p14:creationId xmlns:p14="http://schemas.microsoft.com/office/powerpoint/2010/main" val="516425879"/>
+      </p:ext>
+    </p:extLst>
+  </p:cSld>
+  <p:clrMapOvr>
+    <a:masterClrMapping/>
+  </p:clrMapOvr>
+</p:sld>
+</file>
+
 <file path=ppt/theme/theme1.xml><?xml version="1.0" encoding="utf-8"?>
 <a:theme xmlns:a="http://schemas.openxmlformats.org/drawingml/2006/main" name="Office Theme">
   <a:themeElements>
